--- a/Slides/Week 1 Lecture Slides.pptx
+++ b/Slides/Week 1 Lecture Slides.pptx
@@ -585,7 +585,7 @@
           <a:p>
             <a:fld id="{05128D9E-E9B9-4A2D-AB49-1C92CAFDAE5A}" type="slidenum">
               <a:rPr lang="en-US" smtClean="0"/>
-              <a:t>12</a:t>
+              <a:t>4</a:t>
             </a:fld>
             <a:endParaRPr lang="en-US"/>
           </a:p>
@@ -594,7 +594,7 @@
     </p:spTree>
     <p:extLst>
       <p:ext uri="{BB962C8B-B14F-4D97-AF65-F5344CB8AC3E}">
-        <p14:creationId xmlns:p14="http://schemas.microsoft.com/office/powerpoint/2010/main" val="119956607"/>
+        <p14:creationId xmlns:p14="http://schemas.microsoft.com/office/powerpoint/2010/main" val="328553738"/>
       </p:ext>
     </p:extLst>
   </p:cSld>
@@ -673,7 +673,7 @@
           <a:p>
             <a:fld id="{05128D9E-E9B9-4A2D-AB49-1C92CAFDAE5A}" type="slidenum">
               <a:rPr lang="en-US" smtClean="0"/>
-              <a:t>30</a:t>
+              <a:t>14</a:t>
             </a:fld>
             <a:endParaRPr lang="en-US"/>
           </a:p>
@@ -682,7 +682,7 @@
     </p:spTree>
     <p:extLst>
       <p:ext uri="{BB962C8B-B14F-4D97-AF65-F5344CB8AC3E}">
-        <p14:creationId xmlns:p14="http://schemas.microsoft.com/office/powerpoint/2010/main" val="1930683753"/>
+        <p14:creationId xmlns:p14="http://schemas.microsoft.com/office/powerpoint/2010/main" val="3344254631"/>
       </p:ext>
     </p:extLst>
   </p:cSld>
@@ -761,7 +761,7 @@
           <a:p>
             <a:fld id="{05128D9E-E9B9-4A2D-AB49-1C92CAFDAE5A}" type="slidenum">
               <a:rPr lang="en-US" smtClean="0"/>
-              <a:t>31</a:t>
+              <a:t>15</a:t>
             </a:fld>
             <a:endParaRPr lang="en-US"/>
           </a:p>
@@ -770,7 +770,7 @@
     </p:spTree>
     <p:extLst>
       <p:ext uri="{BB962C8B-B14F-4D97-AF65-F5344CB8AC3E}">
-        <p14:creationId xmlns:p14="http://schemas.microsoft.com/office/powerpoint/2010/main" val="3436031480"/>
+        <p14:creationId xmlns:p14="http://schemas.microsoft.com/office/powerpoint/2010/main" val="2498977563"/>
       </p:ext>
     </p:extLst>
   </p:cSld>
@@ -849,7 +849,7 @@
           <a:p>
             <a:fld id="{05128D9E-E9B9-4A2D-AB49-1C92CAFDAE5A}" type="slidenum">
               <a:rPr lang="en-US" smtClean="0"/>
-              <a:t>32</a:t>
+              <a:t>16</a:t>
             </a:fld>
             <a:endParaRPr lang="en-US"/>
           </a:p>
@@ -858,7 +858,7 @@
     </p:spTree>
     <p:extLst>
       <p:ext uri="{BB962C8B-B14F-4D97-AF65-F5344CB8AC3E}">
-        <p14:creationId xmlns:p14="http://schemas.microsoft.com/office/powerpoint/2010/main" val="1832474492"/>
+        <p14:creationId xmlns:p14="http://schemas.microsoft.com/office/powerpoint/2010/main" val="3101445533"/>
       </p:ext>
     </p:extLst>
   </p:cSld>
@@ -937,7 +937,7 @@
           <a:p>
             <a:fld id="{05128D9E-E9B9-4A2D-AB49-1C92CAFDAE5A}" type="slidenum">
               <a:rPr lang="en-US" smtClean="0"/>
-              <a:t>33</a:t>
+              <a:t>17</a:t>
             </a:fld>
             <a:endParaRPr lang="en-US"/>
           </a:p>
@@ -946,7 +946,7 @@
     </p:spTree>
     <p:extLst>
       <p:ext uri="{BB962C8B-B14F-4D97-AF65-F5344CB8AC3E}">
-        <p14:creationId xmlns:p14="http://schemas.microsoft.com/office/powerpoint/2010/main" val="2684760487"/>
+        <p14:creationId xmlns:p14="http://schemas.microsoft.com/office/powerpoint/2010/main" val="820682789"/>
       </p:ext>
     </p:extLst>
   </p:cSld>
@@ -1025,7 +1025,7 @@
           <a:p>
             <a:fld id="{05128D9E-E9B9-4A2D-AB49-1C92CAFDAE5A}" type="slidenum">
               <a:rPr lang="en-US" smtClean="0"/>
-              <a:t>36</a:t>
+              <a:t>18</a:t>
             </a:fld>
             <a:endParaRPr lang="en-US"/>
           </a:p>
@@ -1034,7 +1034,7 @@
     </p:spTree>
     <p:extLst>
       <p:ext uri="{BB962C8B-B14F-4D97-AF65-F5344CB8AC3E}">
-        <p14:creationId xmlns:p14="http://schemas.microsoft.com/office/powerpoint/2010/main" val="195081263"/>
+        <p14:creationId xmlns:p14="http://schemas.microsoft.com/office/powerpoint/2010/main" val="4064046484"/>
       </p:ext>
     </p:extLst>
   </p:cSld>
@@ -1113,7 +1113,7 @@
           <a:p>
             <a:fld id="{05128D9E-E9B9-4A2D-AB49-1C92CAFDAE5A}" type="slidenum">
               <a:rPr lang="en-US" smtClean="0"/>
-              <a:t>37</a:t>
+              <a:t>19</a:t>
             </a:fld>
             <a:endParaRPr lang="en-US"/>
           </a:p>
@@ -1122,7 +1122,7 @@
     </p:spTree>
     <p:extLst>
       <p:ext uri="{BB962C8B-B14F-4D97-AF65-F5344CB8AC3E}">
-        <p14:creationId xmlns:p14="http://schemas.microsoft.com/office/powerpoint/2010/main" val="3806373763"/>
+        <p14:creationId xmlns:p14="http://schemas.microsoft.com/office/powerpoint/2010/main" val="1149881270"/>
       </p:ext>
     </p:extLst>
   </p:cSld>
@@ -1201,7 +1201,7 @@
           <a:p>
             <a:fld id="{05128D9E-E9B9-4A2D-AB49-1C92CAFDAE5A}" type="slidenum">
               <a:rPr lang="en-US" smtClean="0"/>
-              <a:t>39</a:t>
+              <a:t>22</a:t>
             </a:fld>
             <a:endParaRPr lang="en-US"/>
           </a:p>
@@ -1210,7 +1210,7 @@
     </p:spTree>
     <p:extLst>
       <p:ext uri="{BB962C8B-B14F-4D97-AF65-F5344CB8AC3E}">
-        <p14:creationId xmlns:p14="http://schemas.microsoft.com/office/powerpoint/2010/main" val="510069274"/>
+        <p14:creationId xmlns:p14="http://schemas.microsoft.com/office/powerpoint/2010/main" val="1486408143"/>
       </p:ext>
     </p:extLst>
   </p:cSld>
@@ -1289,7 +1289,7 @@
           <a:p>
             <a:fld id="{05128D9E-E9B9-4A2D-AB49-1C92CAFDAE5A}" type="slidenum">
               <a:rPr lang="en-US" smtClean="0"/>
-              <a:t>40</a:t>
+              <a:t>23</a:t>
             </a:fld>
             <a:endParaRPr lang="en-US"/>
           </a:p>
@@ -1298,7 +1298,7 @@
     </p:spTree>
     <p:extLst>
       <p:ext uri="{BB962C8B-B14F-4D97-AF65-F5344CB8AC3E}">
-        <p14:creationId xmlns:p14="http://schemas.microsoft.com/office/powerpoint/2010/main" val="758791121"/>
+        <p14:creationId xmlns:p14="http://schemas.microsoft.com/office/powerpoint/2010/main" val="279452727"/>
       </p:ext>
     </p:extLst>
   </p:cSld>
@@ -1377,7 +1377,7 @@
           <a:p>
             <a:fld id="{05128D9E-E9B9-4A2D-AB49-1C92CAFDAE5A}" type="slidenum">
               <a:rPr lang="en-US" smtClean="0"/>
-              <a:t>46</a:t>
+              <a:t>24</a:t>
             </a:fld>
             <a:endParaRPr lang="en-US"/>
           </a:p>
@@ -1386,7 +1386,7 @@
     </p:spTree>
     <p:extLst>
       <p:ext uri="{BB962C8B-B14F-4D97-AF65-F5344CB8AC3E}">
-        <p14:creationId xmlns:p14="http://schemas.microsoft.com/office/powerpoint/2010/main" val="107584712"/>
+        <p14:creationId xmlns:p14="http://schemas.microsoft.com/office/powerpoint/2010/main" val="681724802"/>
       </p:ext>
     </p:extLst>
   </p:cSld>
@@ -1465,7 +1465,7 @@
           <a:p>
             <a:fld id="{05128D9E-E9B9-4A2D-AB49-1C92CAFDAE5A}" type="slidenum">
               <a:rPr lang="en-US" smtClean="0"/>
-              <a:t>47</a:t>
+              <a:t>27</a:t>
             </a:fld>
             <a:endParaRPr lang="en-US"/>
           </a:p>
@@ -1474,7 +1474,7 @@
     </p:spTree>
     <p:extLst>
       <p:ext uri="{BB962C8B-B14F-4D97-AF65-F5344CB8AC3E}">
-        <p14:creationId xmlns:p14="http://schemas.microsoft.com/office/powerpoint/2010/main" val="3781908254"/>
+        <p14:creationId xmlns:p14="http://schemas.microsoft.com/office/powerpoint/2010/main" val="3398280171"/>
       </p:ext>
     </p:extLst>
   </p:cSld>
@@ -1553,7 +1553,7 @@
           <a:p>
             <a:fld id="{05128D9E-E9B9-4A2D-AB49-1C92CAFDAE5A}" type="slidenum">
               <a:rPr lang="en-US" smtClean="0"/>
-              <a:t>13</a:t>
+              <a:t>5</a:t>
             </a:fld>
             <a:endParaRPr lang="en-US"/>
           </a:p>
@@ -1562,7 +1562,887 @@
     </p:spTree>
     <p:extLst>
       <p:ext uri="{BB962C8B-B14F-4D97-AF65-F5344CB8AC3E}">
-        <p14:creationId xmlns:p14="http://schemas.microsoft.com/office/powerpoint/2010/main" val="1918690619"/>
+        <p14:creationId xmlns:p14="http://schemas.microsoft.com/office/powerpoint/2010/main" val="610023596"/>
+      </p:ext>
+    </p:extLst>
+  </p:cSld>
+  <p:clrMapOvr>
+    <a:masterClrMapping/>
+  </p:clrMapOvr>
+</p:notes>
+</file>
+
+<file path=ppt/notesSlides/notesSlide20.xml><?xml version="1.0" encoding="utf-8"?>
+<p:notes xmlns:a="http://schemas.openxmlformats.org/drawingml/2006/main" xmlns:r="http://schemas.openxmlformats.org/officeDocument/2006/relationships" xmlns:p="http://schemas.openxmlformats.org/presentationml/2006/main">
+  <p:cSld>
+    <p:spTree>
+      <p:nvGrpSpPr>
+        <p:cNvPr id="1" name=""/>
+        <p:cNvGrpSpPr/>
+        <p:nvPr/>
+      </p:nvGrpSpPr>
+      <p:grpSpPr>
+        <a:xfrm>
+          <a:off x="0" y="0"/>
+          <a:ext cx="0" cy="0"/>
+          <a:chOff x="0" y="0"/>
+          <a:chExt cx="0" cy="0"/>
+        </a:xfrm>
+      </p:grpSpPr>
+      <p:sp>
+        <p:nvSpPr>
+          <p:cNvPr id="2" name="Slide Image Placeholder 1"/>
+          <p:cNvSpPr>
+            <a:spLocks noGrp="1" noRot="1" noChangeAspect="1"/>
+          </p:cNvSpPr>
+          <p:nvPr>
+            <p:ph type="sldImg"/>
+          </p:nvPr>
+        </p:nvSpPr>
+        <p:spPr/>
+      </p:sp>
+      <p:sp>
+        <p:nvSpPr>
+          <p:cNvPr id="3" name="Notes Placeholder 2"/>
+          <p:cNvSpPr>
+            <a:spLocks noGrp="1"/>
+          </p:cNvSpPr>
+          <p:nvPr>
+            <p:ph type="body" idx="1"/>
+          </p:nvPr>
+        </p:nvSpPr>
+        <p:spPr/>
+        <p:txBody>
+          <a:bodyPr/>
+          <a:lstStyle/>
+          <a:p>
+            <a:pPr marL="171450" indent="-171450">
+              <a:buFont typeface="Arial" panose="020B0604020202020204" pitchFamily="34" charset="0"/>
+              <a:buChar char="•"/>
+            </a:pPr>
+            <a:endParaRPr lang="en-US" dirty="0"/>
+          </a:p>
+        </p:txBody>
+      </p:sp>
+      <p:sp>
+        <p:nvSpPr>
+          <p:cNvPr id="4" name="Slide Number Placeholder 3"/>
+          <p:cNvSpPr>
+            <a:spLocks noGrp="1"/>
+          </p:cNvSpPr>
+          <p:nvPr>
+            <p:ph type="sldNum" sz="quarter" idx="5"/>
+          </p:nvPr>
+        </p:nvSpPr>
+        <p:spPr/>
+        <p:txBody>
+          <a:bodyPr/>
+          <a:lstStyle/>
+          <a:p>
+            <a:fld id="{05128D9E-E9B9-4A2D-AB49-1C92CAFDAE5A}" type="slidenum">
+              <a:rPr lang="en-US" smtClean="0"/>
+              <a:t>30</a:t>
+            </a:fld>
+            <a:endParaRPr lang="en-US"/>
+          </a:p>
+        </p:txBody>
+      </p:sp>
+    </p:spTree>
+    <p:extLst>
+      <p:ext uri="{BB962C8B-B14F-4D97-AF65-F5344CB8AC3E}">
+        <p14:creationId xmlns:p14="http://schemas.microsoft.com/office/powerpoint/2010/main" val="1930683753"/>
+      </p:ext>
+    </p:extLst>
+  </p:cSld>
+  <p:clrMapOvr>
+    <a:masterClrMapping/>
+  </p:clrMapOvr>
+</p:notes>
+</file>
+
+<file path=ppt/notesSlides/notesSlide21.xml><?xml version="1.0" encoding="utf-8"?>
+<p:notes xmlns:a="http://schemas.openxmlformats.org/drawingml/2006/main" xmlns:r="http://schemas.openxmlformats.org/officeDocument/2006/relationships" xmlns:p="http://schemas.openxmlformats.org/presentationml/2006/main">
+  <p:cSld>
+    <p:spTree>
+      <p:nvGrpSpPr>
+        <p:cNvPr id="1" name=""/>
+        <p:cNvGrpSpPr/>
+        <p:nvPr/>
+      </p:nvGrpSpPr>
+      <p:grpSpPr>
+        <a:xfrm>
+          <a:off x="0" y="0"/>
+          <a:ext cx="0" cy="0"/>
+          <a:chOff x="0" y="0"/>
+          <a:chExt cx="0" cy="0"/>
+        </a:xfrm>
+      </p:grpSpPr>
+      <p:sp>
+        <p:nvSpPr>
+          <p:cNvPr id="2" name="Slide Image Placeholder 1"/>
+          <p:cNvSpPr>
+            <a:spLocks noGrp="1" noRot="1" noChangeAspect="1"/>
+          </p:cNvSpPr>
+          <p:nvPr>
+            <p:ph type="sldImg"/>
+          </p:nvPr>
+        </p:nvSpPr>
+        <p:spPr/>
+      </p:sp>
+      <p:sp>
+        <p:nvSpPr>
+          <p:cNvPr id="3" name="Notes Placeholder 2"/>
+          <p:cNvSpPr>
+            <a:spLocks noGrp="1"/>
+          </p:cNvSpPr>
+          <p:nvPr>
+            <p:ph type="body" idx="1"/>
+          </p:nvPr>
+        </p:nvSpPr>
+        <p:spPr/>
+        <p:txBody>
+          <a:bodyPr/>
+          <a:lstStyle/>
+          <a:p>
+            <a:pPr marL="171450" indent="-171450">
+              <a:buFont typeface="Arial" panose="020B0604020202020204" pitchFamily="34" charset="0"/>
+              <a:buChar char="•"/>
+            </a:pPr>
+            <a:endParaRPr lang="en-US" dirty="0"/>
+          </a:p>
+        </p:txBody>
+      </p:sp>
+      <p:sp>
+        <p:nvSpPr>
+          <p:cNvPr id="4" name="Slide Number Placeholder 3"/>
+          <p:cNvSpPr>
+            <a:spLocks noGrp="1"/>
+          </p:cNvSpPr>
+          <p:nvPr>
+            <p:ph type="sldNum" sz="quarter" idx="5"/>
+          </p:nvPr>
+        </p:nvSpPr>
+        <p:spPr/>
+        <p:txBody>
+          <a:bodyPr/>
+          <a:lstStyle/>
+          <a:p>
+            <a:fld id="{05128D9E-E9B9-4A2D-AB49-1C92CAFDAE5A}" type="slidenum">
+              <a:rPr lang="en-US" smtClean="0"/>
+              <a:t>31</a:t>
+            </a:fld>
+            <a:endParaRPr lang="en-US"/>
+          </a:p>
+        </p:txBody>
+      </p:sp>
+    </p:spTree>
+    <p:extLst>
+      <p:ext uri="{BB962C8B-B14F-4D97-AF65-F5344CB8AC3E}">
+        <p14:creationId xmlns:p14="http://schemas.microsoft.com/office/powerpoint/2010/main" val="3436031480"/>
+      </p:ext>
+    </p:extLst>
+  </p:cSld>
+  <p:clrMapOvr>
+    <a:masterClrMapping/>
+  </p:clrMapOvr>
+</p:notes>
+</file>
+
+<file path=ppt/notesSlides/notesSlide22.xml><?xml version="1.0" encoding="utf-8"?>
+<p:notes xmlns:a="http://schemas.openxmlformats.org/drawingml/2006/main" xmlns:r="http://schemas.openxmlformats.org/officeDocument/2006/relationships" xmlns:p="http://schemas.openxmlformats.org/presentationml/2006/main">
+  <p:cSld>
+    <p:spTree>
+      <p:nvGrpSpPr>
+        <p:cNvPr id="1" name=""/>
+        <p:cNvGrpSpPr/>
+        <p:nvPr/>
+      </p:nvGrpSpPr>
+      <p:grpSpPr>
+        <a:xfrm>
+          <a:off x="0" y="0"/>
+          <a:ext cx="0" cy="0"/>
+          <a:chOff x="0" y="0"/>
+          <a:chExt cx="0" cy="0"/>
+        </a:xfrm>
+      </p:grpSpPr>
+      <p:sp>
+        <p:nvSpPr>
+          <p:cNvPr id="2" name="Slide Image Placeholder 1"/>
+          <p:cNvSpPr>
+            <a:spLocks noGrp="1" noRot="1" noChangeAspect="1"/>
+          </p:cNvSpPr>
+          <p:nvPr>
+            <p:ph type="sldImg"/>
+          </p:nvPr>
+        </p:nvSpPr>
+        <p:spPr/>
+      </p:sp>
+      <p:sp>
+        <p:nvSpPr>
+          <p:cNvPr id="3" name="Notes Placeholder 2"/>
+          <p:cNvSpPr>
+            <a:spLocks noGrp="1"/>
+          </p:cNvSpPr>
+          <p:nvPr>
+            <p:ph type="body" idx="1"/>
+          </p:nvPr>
+        </p:nvSpPr>
+        <p:spPr/>
+        <p:txBody>
+          <a:bodyPr/>
+          <a:lstStyle/>
+          <a:p>
+            <a:pPr marL="171450" indent="-171450">
+              <a:buFont typeface="Arial" panose="020B0604020202020204" pitchFamily="34" charset="0"/>
+              <a:buChar char="•"/>
+            </a:pPr>
+            <a:endParaRPr lang="en-US" dirty="0"/>
+          </a:p>
+        </p:txBody>
+      </p:sp>
+      <p:sp>
+        <p:nvSpPr>
+          <p:cNvPr id="4" name="Slide Number Placeholder 3"/>
+          <p:cNvSpPr>
+            <a:spLocks noGrp="1"/>
+          </p:cNvSpPr>
+          <p:nvPr>
+            <p:ph type="sldNum" sz="quarter" idx="5"/>
+          </p:nvPr>
+        </p:nvSpPr>
+        <p:spPr/>
+        <p:txBody>
+          <a:bodyPr/>
+          <a:lstStyle/>
+          <a:p>
+            <a:fld id="{05128D9E-E9B9-4A2D-AB49-1C92CAFDAE5A}" type="slidenum">
+              <a:rPr lang="en-US" smtClean="0"/>
+              <a:t>32</a:t>
+            </a:fld>
+            <a:endParaRPr lang="en-US"/>
+          </a:p>
+        </p:txBody>
+      </p:sp>
+    </p:spTree>
+    <p:extLst>
+      <p:ext uri="{BB962C8B-B14F-4D97-AF65-F5344CB8AC3E}">
+        <p14:creationId xmlns:p14="http://schemas.microsoft.com/office/powerpoint/2010/main" val="1832474492"/>
+      </p:ext>
+    </p:extLst>
+  </p:cSld>
+  <p:clrMapOvr>
+    <a:masterClrMapping/>
+  </p:clrMapOvr>
+</p:notes>
+</file>
+
+<file path=ppt/notesSlides/notesSlide23.xml><?xml version="1.0" encoding="utf-8"?>
+<p:notes xmlns:a="http://schemas.openxmlformats.org/drawingml/2006/main" xmlns:r="http://schemas.openxmlformats.org/officeDocument/2006/relationships" xmlns:p="http://schemas.openxmlformats.org/presentationml/2006/main">
+  <p:cSld>
+    <p:spTree>
+      <p:nvGrpSpPr>
+        <p:cNvPr id="1" name=""/>
+        <p:cNvGrpSpPr/>
+        <p:nvPr/>
+      </p:nvGrpSpPr>
+      <p:grpSpPr>
+        <a:xfrm>
+          <a:off x="0" y="0"/>
+          <a:ext cx="0" cy="0"/>
+          <a:chOff x="0" y="0"/>
+          <a:chExt cx="0" cy="0"/>
+        </a:xfrm>
+      </p:grpSpPr>
+      <p:sp>
+        <p:nvSpPr>
+          <p:cNvPr id="2" name="Slide Image Placeholder 1"/>
+          <p:cNvSpPr>
+            <a:spLocks noGrp="1" noRot="1" noChangeAspect="1"/>
+          </p:cNvSpPr>
+          <p:nvPr>
+            <p:ph type="sldImg"/>
+          </p:nvPr>
+        </p:nvSpPr>
+        <p:spPr/>
+      </p:sp>
+      <p:sp>
+        <p:nvSpPr>
+          <p:cNvPr id="3" name="Notes Placeholder 2"/>
+          <p:cNvSpPr>
+            <a:spLocks noGrp="1"/>
+          </p:cNvSpPr>
+          <p:nvPr>
+            <p:ph type="body" idx="1"/>
+          </p:nvPr>
+        </p:nvSpPr>
+        <p:spPr/>
+        <p:txBody>
+          <a:bodyPr/>
+          <a:lstStyle/>
+          <a:p>
+            <a:pPr marL="171450" indent="-171450">
+              <a:buFont typeface="Arial" panose="020B0604020202020204" pitchFamily="34" charset="0"/>
+              <a:buChar char="•"/>
+            </a:pPr>
+            <a:endParaRPr lang="en-US" dirty="0"/>
+          </a:p>
+        </p:txBody>
+      </p:sp>
+      <p:sp>
+        <p:nvSpPr>
+          <p:cNvPr id="4" name="Slide Number Placeholder 3"/>
+          <p:cNvSpPr>
+            <a:spLocks noGrp="1"/>
+          </p:cNvSpPr>
+          <p:nvPr>
+            <p:ph type="sldNum" sz="quarter" idx="5"/>
+          </p:nvPr>
+        </p:nvSpPr>
+        <p:spPr/>
+        <p:txBody>
+          <a:bodyPr/>
+          <a:lstStyle/>
+          <a:p>
+            <a:fld id="{05128D9E-E9B9-4A2D-AB49-1C92CAFDAE5A}" type="slidenum">
+              <a:rPr lang="en-US" smtClean="0"/>
+              <a:t>33</a:t>
+            </a:fld>
+            <a:endParaRPr lang="en-US"/>
+          </a:p>
+        </p:txBody>
+      </p:sp>
+    </p:spTree>
+    <p:extLst>
+      <p:ext uri="{BB962C8B-B14F-4D97-AF65-F5344CB8AC3E}">
+        <p14:creationId xmlns:p14="http://schemas.microsoft.com/office/powerpoint/2010/main" val="2684760487"/>
+      </p:ext>
+    </p:extLst>
+  </p:cSld>
+  <p:clrMapOvr>
+    <a:masterClrMapping/>
+  </p:clrMapOvr>
+</p:notes>
+</file>
+
+<file path=ppt/notesSlides/notesSlide24.xml><?xml version="1.0" encoding="utf-8"?>
+<p:notes xmlns:a="http://schemas.openxmlformats.org/drawingml/2006/main" xmlns:r="http://schemas.openxmlformats.org/officeDocument/2006/relationships" xmlns:p="http://schemas.openxmlformats.org/presentationml/2006/main">
+  <p:cSld>
+    <p:spTree>
+      <p:nvGrpSpPr>
+        <p:cNvPr id="1" name=""/>
+        <p:cNvGrpSpPr/>
+        <p:nvPr/>
+      </p:nvGrpSpPr>
+      <p:grpSpPr>
+        <a:xfrm>
+          <a:off x="0" y="0"/>
+          <a:ext cx="0" cy="0"/>
+          <a:chOff x="0" y="0"/>
+          <a:chExt cx="0" cy="0"/>
+        </a:xfrm>
+      </p:grpSpPr>
+      <p:sp>
+        <p:nvSpPr>
+          <p:cNvPr id="2" name="Slide Image Placeholder 1"/>
+          <p:cNvSpPr>
+            <a:spLocks noGrp="1" noRot="1" noChangeAspect="1"/>
+          </p:cNvSpPr>
+          <p:nvPr>
+            <p:ph type="sldImg"/>
+          </p:nvPr>
+        </p:nvSpPr>
+        <p:spPr/>
+      </p:sp>
+      <p:sp>
+        <p:nvSpPr>
+          <p:cNvPr id="3" name="Notes Placeholder 2"/>
+          <p:cNvSpPr>
+            <a:spLocks noGrp="1"/>
+          </p:cNvSpPr>
+          <p:nvPr>
+            <p:ph type="body" idx="1"/>
+          </p:nvPr>
+        </p:nvSpPr>
+        <p:spPr/>
+        <p:txBody>
+          <a:bodyPr/>
+          <a:lstStyle/>
+          <a:p>
+            <a:pPr marL="171450" indent="-171450">
+              <a:buFont typeface="Arial" panose="020B0604020202020204" pitchFamily="34" charset="0"/>
+              <a:buChar char="•"/>
+            </a:pPr>
+            <a:endParaRPr lang="en-US" dirty="0"/>
+          </a:p>
+        </p:txBody>
+      </p:sp>
+      <p:sp>
+        <p:nvSpPr>
+          <p:cNvPr id="4" name="Slide Number Placeholder 3"/>
+          <p:cNvSpPr>
+            <a:spLocks noGrp="1"/>
+          </p:cNvSpPr>
+          <p:nvPr>
+            <p:ph type="sldNum" sz="quarter" idx="5"/>
+          </p:nvPr>
+        </p:nvSpPr>
+        <p:spPr/>
+        <p:txBody>
+          <a:bodyPr/>
+          <a:lstStyle/>
+          <a:p>
+            <a:fld id="{05128D9E-E9B9-4A2D-AB49-1C92CAFDAE5A}" type="slidenum">
+              <a:rPr lang="en-US" smtClean="0"/>
+              <a:t>36</a:t>
+            </a:fld>
+            <a:endParaRPr lang="en-US"/>
+          </a:p>
+        </p:txBody>
+      </p:sp>
+    </p:spTree>
+    <p:extLst>
+      <p:ext uri="{BB962C8B-B14F-4D97-AF65-F5344CB8AC3E}">
+        <p14:creationId xmlns:p14="http://schemas.microsoft.com/office/powerpoint/2010/main" val="195081263"/>
+      </p:ext>
+    </p:extLst>
+  </p:cSld>
+  <p:clrMapOvr>
+    <a:masterClrMapping/>
+  </p:clrMapOvr>
+</p:notes>
+</file>
+
+<file path=ppt/notesSlides/notesSlide25.xml><?xml version="1.0" encoding="utf-8"?>
+<p:notes xmlns:a="http://schemas.openxmlformats.org/drawingml/2006/main" xmlns:r="http://schemas.openxmlformats.org/officeDocument/2006/relationships" xmlns:p="http://schemas.openxmlformats.org/presentationml/2006/main">
+  <p:cSld>
+    <p:spTree>
+      <p:nvGrpSpPr>
+        <p:cNvPr id="1" name=""/>
+        <p:cNvGrpSpPr/>
+        <p:nvPr/>
+      </p:nvGrpSpPr>
+      <p:grpSpPr>
+        <a:xfrm>
+          <a:off x="0" y="0"/>
+          <a:ext cx="0" cy="0"/>
+          <a:chOff x="0" y="0"/>
+          <a:chExt cx="0" cy="0"/>
+        </a:xfrm>
+      </p:grpSpPr>
+      <p:sp>
+        <p:nvSpPr>
+          <p:cNvPr id="2" name="Slide Image Placeholder 1"/>
+          <p:cNvSpPr>
+            <a:spLocks noGrp="1" noRot="1" noChangeAspect="1"/>
+          </p:cNvSpPr>
+          <p:nvPr>
+            <p:ph type="sldImg"/>
+          </p:nvPr>
+        </p:nvSpPr>
+        <p:spPr/>
+      </p:sp>
+      <p:sp>
+        <p:nvSpPr>
+          <p:cNvPr id="3" name="Notes Placeholder 2"/>
+          <p:cNvSpPr>
+            <a:spLocks noGrp="1"/>
+          </p:cNvSpPr>
+          <p:nvPr>
+            <p:ph type="body" idx="1"/>
+          </p:nvPr>
+        </p:nvSpPr>
+        <p:spPr/>
+        <p:txBody>
+          <a:bodyPr/>
+          <a:lstStyle/>
+          <a:p>
+            <a:pPr marL="171450" indent="-171450">
+              <a:buFont typeface="Arial" panose="020B0604020202020204" pitchFamily="34" charset="0"/>
+              <a:buChar char="•"/>
+            </a:pPr>
+            <a:endParaRPr lang="en-US" dirty="0"/>
+          </a:p>
+        </p:txBody>
+      </p:sp>
+      <p:sp>
+        <p:nvSpPr>
+          <p:cNvPr id="4" name="Slide Number Placeholder 3"/>
+          <p:cNvSpPr>
+            <a:spLocks noGrp="1"/>
+          </p:cNvSpPr>
+          <p:nvPr>
+            <p:ph type="sldNum" sz="quarter" idx="5"/>
+          </p:nvPr>
+        </p:nvSpPr>
+        <p:spPr/>
+        <p:txBody>
+          <a:bodyPr/>
+          <a:lstStyle/>
+          <a:p>
+            <a:fld id="{05128D9E-E9B9-4A2D-AB49-1C92CAFDAE5A}" type="slidenum">
+              <a:rPr lang="en-US" smtClean="0"/>
+              <a:t>37</a:t>
+            </a:fld>
+            <a:endParaRPr lang="en-US"/>
+          </a:p>
+        </p:txBody>
+      </p:sp>
+    </p:spTree>
+    <p:extLst>
+      <p:ext uri="{BB962C8B-B14F-4D97-AF65-F5344CB8AC3E}">
+        <p14:creationId xmlns:p14="http://schemas.microsoft.com/office/powerpoint/2010/main" val="3806373763"/>
+      </p:ext>
+    </p:extLst>
+  </p:cSld>
+  <p:clrMapOvr>
+    <a:masterClrMapping/>
+  </p:clrMapOvr>
+</p:notes>
+</file>
+
+<file path=ppt/notesSlides/notesSlide26.xml><?xml version="1.0" encoding="utf-8"?>
+<p:notes xmlns:a="http://schemas.openxmlformats.org/drawingml/2006/main" xmlns:r="http://schemas.openxmlformats.org/officeDocument/2006/relationships" xmlns:p="http://schemas.openxmlformats.org/presentationml/2006/main">
+  <p:cSld>
+    <p:spTree>
+      <p:nvGrpSpPr>
+        <p:cNvPr id="1" name=""/>
+        <p:cNvGrpSpPr/>
+        <p:nvPr/>
+      </p:nvGrpSpPr>
+      <p:grpSpPr>
+        <a:xfrm>
+          <a:off x="0" y="0"/>
+          <a:ext cx="0" cy="0"/>
+          <a:chOff x="0" y="0"/>
+          <a:chExt cx="0" cy="0"/>
+        </a:xfrm>
+      </p:grpSpPr>
+      <p:sp>
+        <p:nvSpPr>
+          <p:cNvPr id="2" name="Slide Image Placeholder 1"/>
+          <p:cNvSpPr>
+            <a:spLocks noGrp="1" noRot="1" noChangeAspect="1"/>
+          </p:cNvSpPr>
+          <p:nvPr>
+            <p:ph type="sldImg"/>
+          </p:nvPr>
+        </p:nvSpPr>
+        <p:spPr/>
+      </p:sp>
+      <p:sp>
+        <p:nvSpPr>
+          <p:cNvPr id="3" name="Notes Placeholder 2"/>
+          <p:cNvSpPr>
+            <a:spLocks noGrp="1"/>
+          </p:cNvSpPr>
+          <p:nvPr>
+            <p:ph type="body" idx="1"/>
+          </p:nvPr>
+        </p:nvSpPr>
+        <p:spPr/>
+        <p:txBody>
+          <a:bodyPr/>
+          <a:lstStyle/>
+          <a:p>
+            <a:pPr marL="171450" indent="-171450">
+              <a:buFont typeface="Arial" panose="020B0604020202020204" pitchFamily="34" charset="0"/>
+              <a:buChar char="•"/>
+            </a:pPr>
+            <a:endParaRPr lang="en-US" dirty="0"/>
+          </a:p>
+        </p:txBody>
+      </p:sp>
+      <p:sp>
+        <p:nvSpPr>
+          <p:cNvPr id="4" name="Slide Number Placeholder 3"/>
+          <p:cNvSpPr>
+            <a:spLocks noGrp="1"/>
+          </p:cNvSpPr>
+          <p:nvPr>
+            <p:ph type="sldNum" sz="quarter" idx="5"/>
+          </p:nvPr>
+        </p:nvSpPr>
+        <p:spPr/>
+        <p:txBody>
+          <a:bodyPr/>
+          <a:lstStyle/>
+          <a:p>
+            <a:fld id="{05128D9E-E9B9-4A2D-AB49-1C92CAFDAE5A}" type="slidenum">
+              <a:rPr lang="en-US" smtClean="0"/>
+              <a:t>39</a:t>
+            </a:fld>
+            <a:endParaRPr lang="en-US"/>
+          </a:p>
+        </p:txBody>
+      </p:sp>
+    </p:spTree>
+    <p:extLst>
+      <p:ext uri="{BB962C8B-B14F-4D97-AF65-F5344CB8AC3E}">
+        <p14:creationId xmlns:p14="http://schemas.microsoft.com/office/powerpoint/2010/main" val="510069274"/>
+      </p:ext>
+    </p:extLst>
+  </p:cSld>
+  <p:clrMapOvr>
+    <a:masterClrMapping/>
+  </p:clrMapOvr>
+</p:notes>
+</file>
+
+<file path=ppt/notesSlides/notesSlide27.xml><?xml version="1.0" encoding="utf-8"?>
+<p:notes xmlns:a="http://schemas.openxmlformats.org/drawingml/2006/main" xmlns:r="http://schemas.openxmlformats.org/officeDocument/2006/relationships" xmlns:p="http://schemas.openxmlformats.org/presentationml/2006/main">
+  <p:cSld>
+    <p:spTree>
+      <p:nvGrpSpPr>
+        <p:cNvPr id="1" name=""/>
+        <p:cNvGrpSpPr/>
+        <p:nvPr/>
+      </p:nvGrpSpPr>
+      <p:grpSpPr>
+        <a:xfrm>
+          <a:off x="0" y="0"/>
+          <a:ext cx="0" cy="0"/>
+          <a:chOff x="0" y="0"/>
+          <a:chExt cx="0" cy="0"/>
+        </a:xfrm>
+      </p:grpSpPr>
+      <p:sp>
+        <p:nvSpPr>
+          <p:cNvPr id="2" name="Slide Image Placeholder 1"/>
+          <p:cNvSpPr>
+            <a:spLocks noGrp="1" noRot="1" noChangeAspect="1"/>
+          </p:cNvSpPr>
+          <p:nvPr>
+            <p:ph type="sldImg"/>
+          </p:nvPr>
+        </p:nvSpPr>
+        <p:spPr/>
+      </p:sp>
+      <p:sp>
+        <p:nvSpPr>
+          <p:cNvPr id="3" name="Notes Placeholder 2"/>
+          <p:cNvSpPr>
+            <a:spLocks noGrp="1"/>
+          </p:cNvSpPr>
+          <p:nvPr>
+            <p:ph type="body" idx="1"/>
+          </p:nvPr>
+        </p:nvSpPr>
+        <p:spPr/>
+        <p:txBody>
+          <a:bodyPr/>
+          <a:lstStyle/>
+          <a:p>
+            <a:pPr marL="171450" indent="-171450">
+              <a:buFont typeface="Arial" panose="020B0604020202020204" pitchFamily="34" charset="0"/>
+              <a:buChar char="•"/>
+            </a:pPr>
+            <a:endParaRPr lang="en-US" dirty="0"/>
+          </a:p>
+        </p:txBody>
+      </p:sp>
+      <p:sp>
+        <p:nvSpPr>
+          <p:cNvPr id="4" name="Slide Number Placeholder 3"/>
+          <p:cNvSpPr>
+            <a:spLocks noGrp="1"/>
+          </p:cNvSpPr>
+          <p:nvPr>
+            <p:ph type="sldNum" sz="quarter" idx="5"/>
+          </p:nvPr>
+        </p:nvSpPr>
+        <p:spPr/>
+        <p:txBody>
+          <a:bodyPr/>
+          <a:lstStyle/>
+          <a:p>
+            <a:fld id="{05128D9E-E9B9-4A2D-AB49-1C92CAFDAE5A}" type="slidenum">
+              <a:rPr lang="en-US" smtClean="0"/>
+              <a:t>40</a:t>
+            </a:fld>
+            <a:endParaRPr lang="en-US"/>
+          </a:p>
+        </p:txBody>
+      </p:sp>
+    </p:spTree>
+    <p:extLst>
+      <p:ext uri="{BB962C8B-B14F-4D97-AF65-F5344CB8AC3E}">
+        <p14:creationId xmlns:p14="http://schemas.microsoft.com/office/powerpoint/2010/main" val="758791121"/>
+      </p:ext>
+    </p:extLst>
+  </p:cSld>
+  <p:clrMapOvr>
+    <a:masterClrMapping/>
+  </p:clrMapOvr>
+</p:notes>
+</file>
+
+<file path=ppt/notesSlides/notesSlide28.xml><?xml version="1.0" encoding="utf-8"?>
+<p:notes xmlns:a="http://schemas.openxmlformats.org/drawingml/2006/main" xmlns:r="http://schemas.openxmlformats.org/officeDocument/2006/relationships" xmlns:p="http://schemas.openxmlformats.org/presentationml/2006/main">
+  <p:cSld>
+    <p:spTree>
+      <p:nvGrpSpPr>
+        <p:cNvPr id="1" name=""/>
+        <p:cNvGrpSpPr/>
+        <p:nvPr/>
+      </p:nvGrpSpPr>
+      <p:grpSpPr>
+        <a:xfrm>
+          <a:off x="0" y="0"/>
+          <a:ext cx="0" cy="0"/>
+          <a:chOff x="0" y="0"/>
+          <a:chExt cx="0" cy="0"/>
+        </a:xfrm>
+      </p:grpSpPr>
+      <p:sp>
+        <p:nvSpPr>
+          <p:cNvPr id="2" name="Slide Image Placeholder 1"/>
+          <p:cNvSpPr>
+            <a:spLocks noGrp="1" noRot="1" noChangeAspect="1"/>
+          </p:cNvSpPr>
+          <p:nvPr>
+            <p:ph type="sldImg"/>
+          </p:nvPr>
+        </p:nvSpPr>
+        <p:spPr/>
+      </p:sp>
+      <p:sp>
+        <p:nvSpPr>
+          <p:cNvPr id="3" name="Notes Placeholder 2"/>
+          <p:cNvSpPr>
+            <a:spLocks noGrp="1"/>
+          </p:cNvSpPr>
+          <p:nvPr>
+            <p:ph type="body" idx="1"/>
+          </p:nvPr>
+        </p:nvSpPr>
+        <p:spPr/>
+        <p:txBody>
+          <a:bodyPr/>
+          <a:lstStyle/>
+          <a:p>
+            <a:pPr marL="171450" indent="-171450">
+              <a:buFont typeface="Arial" panose="020B0604020202020204" pitchFamily="34" charset="0"/>
+              <a:buChar char="•"/>
+            </a:pPr>
+            <a:endParaRPr lang="en-US" dirty="0"/>
+          </a:p>
+        </p:txBody>
+      </p:sp>
+      <p:sp>
+        <p:nvSpPr>
+          <p:cNvPr id="4" name="Slide Number Placeholder 3"/>
+          <p:cNvSpPr>
+            <a:spLocks noGrp="1"/>
+          </p:cNvSpPr>
+          <p:nvPr>
+            <p:ph type="sldNum" sz="quarter" idx="5"/>
+          </p:nvPr>
+        </p:nvSpPr>
+        <p:spPr/>
+        <p:txBody>
+          <a:bodyPr/>
+          <a:lstStyle/>
+          <a:p>
+            <a:fld id="{05128D9E-E9B9-4A2D-AB49-1C92CAFDAE5A}" type="slidenum">
+              <a:rPr lang="en-US" smtClean="0"/>
+              <a:t>46</a:t>
+            </a:fld>
+            <a:endParaRPr lang="en-US"/>
+          </a:p>
+        </p:txBody>
+      </p:sp>
+    </p:spTree>
+    <p:extLst>
+      <p:ext uri="{BB962C8B-B14F-4D97-AF65-F5344CB8AC3E}">
+        <p14:creationId xmlns:p14="http://schemas.microsoft.com/office/powerpoint/2010/main" val="107584712"/>
+      </p:ext>
+    </p:extLst>
+  </p:cSld>
+  <p:clrMapOvr>
+    <a:masterClrMapping/>
+  </p:clrMapOvr>
+</p:notes>
+</file>
+
+<file path=ppt/notesSlides/notesSlide29.xml><?xml version="1.0" encoding="utf-8"?>
+<p:notes xmlns:a="http://schemas.openxmlformats.org/drawingml/2006/main" xmlns:r="http://schemas.openxmlformats.org/officeDocument/2006/relationships" xmlns:p="http://schemas.openxmlformats.org/presentationml/2006/main">
+  <p:cSld>
+    <p:spTree>
+      <p:nvGrpSpPr>
+        <p:cNvPr id="1" name=""/>
+        <p:cNvGrpSpPr/>
+        <p:nvPr/>
+      </p:nvGrpSpPr>
+      <p:grpSpPr>
+        <a:xfrm>
+          <a:off x="0" y="0"/>
+          <a:ext cx="0" cy="0"/>
+          <a:chOff x="0" y="0"/>
+          <a:chExt cx="0" cy="0"/>
+        </a:xfrm>
+      </p:grpSpPr>
+      <p:sp>
+        <p:nvSpPr>
+          <p:cNvPr id="2" name="Slide Image Placeholder 1"/>
+          <p:cNvSpPr>
+            <a:spLocks noGrp="1" noRot="1" noChangeAspect="1"/>
+          </p:cNvSpPr>
+          <p:nvPr>
+            <p:ph type="sldImg"/>
+          </p:nvPr>
+        </p:nvSpPr>
+        <p:spPr/>
+      </p:sp>
+      <p:sp>
+        <p:nvSpPr>
+          <p:cNvPr id="3" name="Notes Placeholder 2"/>
+          <p:cNvSpPr>
+            <a:spLocks noGrp="1"/>
+          </p:cNvSpPr>
+          <p:nvPr>
+            <p:ph type="body" idx="1"/>
+          </p:nvPr>
+        </p:nvSpPr>
+        <p:spPr/>
+        <p:txBody>
+          <a:bodyPr/>
+          <a:lstStyle/>
+          <a:p>
+            <a:pPr marL="171450" indent="-171450">
+              <a:buFont typeface="Arial" panose="020B0604020202020204" pitchFamily="34" charset="0"/>
+              <a:buChar char="•"/>
+            </a:pPr>
+            <a:endParaRPr lang="en-US" dirty="0"/>
+          </a:p>
+        </p:txBody>
+      </p:sp>
+      <p:sp>
+        <p:nvSpPr>
+          <p:cNvPr id="4" name="Slide Number Placeholder 3"/>
+          <p:cNvSpPr>
+            <a:spLocks noGrp="1"/>
+          </p:cNvSpPr>
+          <p:nvPr>
+            <p:ph type="sldNum" sz="quarter" idx="5"/>
+          </p:nvPr>
+        </p:nvSpPr>
+        <p:spPr/>
+        <p:txBody>
+          <a:bodyPr/>
+          <a:lstStyle/>
+          <a:p>
+            <a:fld id="{05128D9E-E9B9-4A2D-AB49-1C92CAFDAE5A}" type="slidenum">
+              <a:rPr lang="en-US" smtClean="0"/>
+              <a:t>47</a:t>
+            </a:fld>
+            <a:endParaRPr lang="en-US"/>
+          </a:p>
+        </p:txBody>
+      </p:sp>
+    </p:spTree>
+    <p:extLst>
+      <p:ext uri="{BB962C8B-B14F-4D97-AF65-F5344CB8AC3E}">
+        <p14:creationId xmlns:p14="http://schemas.microsoft.com/office/powerpoint/2010/main" val="3781908254"/>
       </p:ext>
     </p:extLst>
   </p:cSld>
@@ -1641,7 +2521,7 @@
           <a:p>
             <a:fld id="{05128D9E-E9B9-4A2D-AB49-1C92CAFDAE5A}" type="slidenum">
               <a:rPr lang="en-US" smtClean="0"/>
-              <a:t>14</a:t>
+              <a:t>6</a:t>
             </a:fld>
             <a:endParaRPr lang="en-US"/>
           </a:p>
@@ -1650,7 +2530,7 @@
     </p:spTree>
     <p:extLst>
       <p:ext uri="{BB962C8B-B14F-4D97-AF65-F5344CB8AC3E}">
-        <p14:creationId xmlns:p14="http://schemas.microsoft.com/office/powerpoint/2010/main" val="3344254631"/>
+        <p14:creationId xmlns:p14="http://schemas.microsoft.com/office/powerpoint/2010/main" val="3548893169"/>
       </p:ext>
     </p:extLst>
   </p:cSld>
@@ -1729,7 +2609,7 @@
           <a:p>
             <a:fld id="{05128D9E-E9B9-4A2D-AB49-1C92CAFDAE5A}" type="slidenum">
               <a:rPr lang="en-US" smtClean="0"/>
-              <a:t>15</a:t>
+              <a:t>7</a:t>
             </a:fld>
             <a:endParaRPr lang="en-US"/>
           </a:p>
@@ -1738,7 +2618,7 @@
     </p:spTree>
     <p:extLst>
       <p:ext uri="{BB962C8B-B14F-4D97-AF65-F5344CB8AC3E}">
-        <p14:creationId xmlns:p14="http://schemas.microsoft.com/office/powerpoint/2010/main" val="2498977563"/>
+        <p14:creationId xmlns:p14="http://schemas.microsoft.com/office/powerpoint/2010/main" val="3088217559"/>
       </p:ext>
     </p:extLst>
   </p:cSld>
@@ -1817,7 +2697,7 @@
           <a:p>
             <a:fld id="{05128D9E-E9B9-4A2D-AB49-1C92CAFDAE5A}" type="slidenum">
               <a:rPr lang="en-US" smtClean="0"/>
-              <a:t>16</a:t>
+              <a:t>8</a:t>
             </a:fld>
             <a:endParaRPr lang="en-US"/>
           </a:p>
@@ -1826,7 +2706,7 @@
     </p:spTree>
     <p:extLst>
       <p:ext uri="{BB962C8B-B14F-4D97-AF65-F5344CB8AC3E}">
-        <p14:creationId xmlns:p14="http://schemas.microsoft.com/office/powerpoint/2010/main" val="3101445533"/>
+        <p14:creationId xmlns:p14="http://schemas.microsoft.com/office/powerpoint/2010/main" val="1945221007"/>
       </p:ext>
     </p:extLst>
   </p:cSld>
@@ -1905,7 +2785,7 @@
           <a:p>
             <a:fld id="{05128D9E-E9B9-4A2D-AB49-1C92CAFDAE5A}" type="slidenum">
               <a:rPr lang="en-US" smtClean="0"/>
-              <a:t>17</a:t>
+              <a:t>9</a:t>
             </a:fld>
             <a:endParaRPr lang="en-US"/>
           </a:p>
@@ -1914,7 +2794,7 @@
     </p:spTree>
     <p:extLst>
       <p:ext uri="{BB962C8B-B14F-4D97-AF65-F5344CB8AC3E}">
-        <p14:creationId xmlns:p14="http://schemas.microsoft.com/office/powerpoint/2010/main" val="820682789"/>
+        <p14:creationId xmlns:p14="http://schemas.microsoft.com/office/powerpoint/2010/main" val="1736137085"/>
       </p:ext>
     </p:extLst>
   </p:cSld>
@@ -1993,7 +2873,7 @@
           <a:p>
             <a:fld id="{05128D9E-E9B9-4A2D-AB49-1C92CAFDAE5A}" type="slidenum">
               <a:rPr lang="en-US" smtClean="0"/>
-              <a:t>18</a:t>
+              <a:t>10</a:t>
             </a:fld>
             <a:endParaRPr lang="en-US"/>
           </a:p>
@@ -2002,7 +2882,7 @@
     </p:spTree>
     <p:extLst>
       <p:ext uri="{BB962C8B-B14F-4D97-AF65-F5344CB8AC3E}">
-        <p14:creationId xmlns:p14="http://schemas.microsoft.com/office/powerpoint/2010/main" val="4064046484"/>
+        <p14:creationId xmlns:p14="http://schemas.microsoft.com/office/powerpoint/2010/main" val="1416693768"/>
       </p:ext>
     </p:extLst>
   </p:cSld>
@@ -2081,7 +2961,7 @@
           <a:p>
             <a:fld id="{05128D9E-E9B9-4A2D-AB49-1C92CAFDAE5A}" type="slidenum">
               <a:rPr lang="en-US" smtClean="0"/>
-              <a:t>19</a:t>
+              <a:t>12</a:t>
             </a:fld>
             <a:endParaRPr lang="en-US"/>
           </a:p>
@@ -2090,7 +2970,7 @@
     </p:spTree>
     <p:extLst>
       <p:ext uri="{BB962C8B-B14F-4D97-AF65-F5344CB8AC3E}">
-        <p14:creationId xmlns:p14="http://schemas.microsoft.com/office/powerpoint/2010/main" val="1149881270"/>
+        <p14:creationId xmlns:p14="http://schemas.microsoft.com/office/powerpoint/2010/main" val="119956607"/>
       </p:ext>
     </p:extLst>
   </p:cSld>
@@ -2169,7 +3049,7 @@
           <a:p>
             <a:fld id="{05128D9E-E9B9-4A2D-AB49-1C92CAFDAE5A}" type="slidenum">
               <a:rPr lang="en-US" smtClean="0"/>
-              <a:t>24</a:t>
+              <a:t>13</a:t>
             </a:fld>
             <a:endParaRPr lang="en-US"/>
           </a:p>
@@ -2178,7 +3058,7 @@
     </p:spTree>
     <p:extLst>
       <p:ext uri="{BB962C8B-B14F-4D97-AF65-F5344CB8AC3E}">
-        <p14:creationId xmlns:p14="http://schemas.microsoft.com/office/powerpoint/2010/main" val="681724802"/>
+        <p14:creationId xmlns:p14="http://schemas.microsoft.com/office/powerpoint/2010/main" val="1918690619"/>
       </p:ext>
     </p:extLst>
   </p:cSld>
@@ -8136,7 +9016,7 @@
           <p:nvPr/>
         </p:nvPicPr>
         <p:blipFill>
-          <a:blip r:embed="rId2"/>
+          <a:blip r:embed="rId3"/>
           <a:stretch>
             <a:fillRect/>
           </a:stretch>
@@ -8166,7 +9046,7 @@
           <p:nvPr/>
         </p:nvPicPr>
         <p:blipFill>
-          <a:blip r:embed="rId3"/>
+          <a:blip r:embed="rId4"/>
           <a:stretch>
             <a:fillRect/>
           </a:stretch>
@@ -12424,7 +13304,7 @@
         </p:nvSpPr>
         <p:spPr>
           <a:xfrm>
-            <a:off x="3690511" y="1561393"/>
+            <a:off x="3691068" y="1138924"/>
             <a:ext cx="3779256" cy="4125494"/>
           </a:xfrm>
         </p:spPr>
@@ -12462,7 +13342,23 @@
                   </a:schemeClr>
                 </a:solidFill>
               </a:rPr>
-              <a:t>	COLUMN_1, SUM(COLUMN_2)</a:t>
+              <a:t>	COLUMN_1</a:t>
+            </a:r>
+          </a:p>
+          <a:p>
+            <a:pPr marL="0" indent="0">
+              <a:buNone/>
+            </a:pPr>
+            <a:r>
+              <a:rPr lang="en-US" dirty="0">
+                <a:solidFill>
+                  <a:schemeClr val="tx1">
+                    <a:lumMod val="65000"/>
+                    <a:lumOff val="35000"/>
+                  </a:schemeClr>
+                </a:solidFill>
+              </a:rPr>
+              <a:t>	, SUM(COLUMN_2)</a:t>
             </a:r>
           </a:p>
           <a:p>
@@ -12657,7 +13553,7 @@
         </p:nvSpPr>
         <p:spPr>
           <a:xfrm>
-            <a:off x="257828" y="1592652"/>
+            <a:off x="258942" y="1433509"/>
             <a:ext cx="2770061" cy="1938992"/>
           </a:xfrm>
           <a:prstGeom prst="rect">
@@ -12707,7 +13603,7 @@
         </p:nvCxnSpPr>
         <p:spPr>
           <a:xfrm flipV="1">
-            <a:off x="3122188" y="2068351"/>
+            <a:off x="3123302" y="1909208"/>
             <a:ext cx="725351" cy="493797"/>
           </a:xfrm>
           <a:prstGeom prst="straightConnector1">
@@ -12967,7 +13863,7 @@
         </p:nvCxnSpPr>
         <p:spPr>
           <a:xfrm>
-            <a:off x="3141212" y="2700099"/>
+            <a:off x="3142326" y="2540956"/>
             <a:ext cx="706327" cy="197157"/>
           </a:xfrm>
           <a:prstGeom prst="straightConnector1">
@@ -13058,6 +13954,136 @@
           <a:xfrm flipV="1">
             <a:off x="2902494" y="4154750"/>
             <a:ext cx="1172356" cy="524811"/>
+          </a:xfrm>
+          <a:prstGeom prst="straightConnector1">
+            <a:avLst/>
+          </a:prstGeom>
+          <a:ln>
+            <a:tailEnd type="triangle"/>
+          </a:ln>
+        </p:spPr>
+        <p:style>
+          <a:lnRef idx="1">
+            <a:schemeClr val="accent1"/>
+          </a:lnRef>
+          <a:fillRef idx="0">
+            <a:schemeClr val="accent1"/>
+          </a:fillRef>
+          <a:effectRef idx="0">
+            <a:schemeClr val="accent1"/>
+          </a:effectRef>
+          <a:fontRef idx="minor">
+            <a:schemeClr val="tx1"/>
+          </a:fontRef>
+        </p:style>
+      </p:cxnSp>
+      <p:sp>
+        <p:nvSpPr>
+          <p:cNvPr id="14" name="TextBox 13">
+            <a:extLst>
+              <a:ext uri="{FF2B5EF4-FFF2-40B4-BE49-F238E27FC236}">
+                <a16:creationId xmlns:a16="http://schemas.microsoft.com/office/drawing/2014/main" id="{07E2C66B-CB8A-436B-BFC0-0F55BD3557D3}"/>
+              </a:ext>
+            </a:extLst>
+          </p:cNvPr>
+          <p:cNvSpPr txBox="1"/>
+          <p:nvPr/>
+        </p:nvSpPr>
+        <p:spPr>
+          <a:xfrm>
+            <a:off x="7243013" y="920207"/>
+            <a:ext cx="2274406" cy="1200329"/>
+          </a:xfrm>
+          <a:prstGeom prst="rect">
+            <a:avLst/>
+          </a:prstGeom>
+        </p:spPr>
+        <p:style>
+          <a:lnRef idx="2">
+            <a:schemeClr val="dk1"/>
+          </a:lnRef>
+          <a:fillRef idx="1">
+            <a:schemeClr val="lt1"/>
+          </a:fillRef>
+          <a:effectRef idx="0">
+            <a:schemeClr val="dk1"/>
+          </a:effectRef>
+          <a:fontRef idx="minor">
+            <a:schemeClr val="dk1"/>
+          </a:fontRef>
+        </p:style>
+        <p:txBody>
+          <a:bodyPr wrap="square" rtlCol="0">
+            <a:spAutoFit/>
+          </a:bodyPr>
+          <a:lstStyle/>
+          <a:p>
+            <a:r>
+              <a:rPr lang="en-US" sz="2400" dirty="0"/>
+              <a:t>Each column in select clause on its own line</a:t>
+            </a:r>
+          </a:p>
+        </p:txBody>
+      </p:sp>
+      <p:cxnSp>
+        <p:nvCxnSpPr>
+          <p:cNvPr id="15" name="Straight Arrow Connector 14">
+            <a:extLst>
+              <a:ext uri="{FF2B5EF4-FFF2-40B4-BE49-F238E27FC236}">
+                <a16:creationId xmlns:a16="http://schemas.microsoft.com/office/drawing/2014/main" id="{1148A5E9-17DF-469E-8B44-65C4BA62D201}"/>
+              </a:ext>
+            </a:extLst>
+          </p:cNvPr>
+          <p:cNvCxnSpPr>
+            <a:cxnSpLocks/>
+          </p:cNvCxnSpPr>
+          <p:nvPr/>
+        </p:nvCxnSpPr>
+        <p:spPr>
+          <a:xfrm flipH="1">
+            <a:off x="5580139" y="1460192"/>
+            <a:ext cx="1509206" cy="236303"/>
+          </a:xfrm>
+          <a:prstGeom prst="straightConnector1">
+            <a:avLst/>
+          </a:prstGeom>
+          <a:ln>
+            <a:tailEnd type="triangle"/>
+          </a:ln>
+        </p:spPr>
+        <p:style>
+          <a:lnRef idx="1">
+            <a:schemeClr val="accent1"/>
+          </a:lnRef>
+          <a:fillRef idx="0">
+            <a:schemeClr val="accent1"/>
+          </a:fillRef>
+          <a:effectRef idx="0">
+            <a:schemeClr val="accent1"/>
+          </a:effectRef>
+          <a:fontRef idx="minor">
+            <a:schemeClr val="tx1"/>
+          </a:fontRef>
+        </p:style>
+      </p:cxnSp>
+      <p:cxnSp>
+        <p:nvCxnSpPr>
+          <p:cNvPr id="18" name="Straight Arrow Connector 17">
+            <a:extLst>
+              <a:ext uri="{FF2B5EF4-FFF2-40B4-BE49-F238E27FC236}">
+                <a16:creationId xmlns:a16="http://schemas.microsoft.com/office/drawing/2014/main" id="{8F28A0F5-8704-4813-912A-BC42AB3903C2}"/>
+              </a:ext>
+            </a:extLst>
+          </p:cNvPr>
+          <p:cNvCxnSpPr>
+            <a:cxnSpLocks/>
+          </p:cNvCxnSpPr>
+          <p:nvPr/>
+        </p:nvCxnSpPr>
+        <p:spPr>
+          <a:xfrm flipH="1">
+            <a:off x="6170323" y="1520371"/>
+            <a:ext cx="919022" cy="535485"/>
           </a:xfrm>
           <a:prstGeom prst="straightConnector1">
             <a:avLst/>
@@ -13744,7 +14770,7 @@
             </a:r>
             <a:r>
               <a:rPr lang="en-US" sz="2200" dirty="0">
-                <a:hlinkClick r:id="rId2"/>
+                <a:hlinkClick r:id="rId3"/>
               </a:rPr>
               <a:t>exhaustive list</a:t>
             </a:r>
@@ -16110,7 +17136,7 @@
           <p:nvPr>
             <p:extLst>
               <p:ext uri="{D42A27DB-BD31-4B8C-83A1-F6EECF244321}">
-                <p14:modId xmlns:p14="http://schemas.microsoft.com/office/powerpoint/2010/main" val="815258195"/>
+                <p14:modId xmlns:p14="http://schemas.microsoft.com/office/powerpoint/2010/main" val="4134710428"/>
               </p:ext>
             </p:extLst>
           </p:nvPr>
@@ -16404,7 +17430,7 @@
                       </a:r>
                       <a:r>
                         <a:rPr lang="en-US" sz="1800" b="1" dirty="0"/>
-                        <a:t> ‘%s’</a:t>
+                        <a:t> ‘%S’</a:t>
                       </a:r>
                     </a:p>
                   </a:txBody>

--- a/Slides/Week 1 Lecture Slides.pptx
+++ b/Slides/Week 1 Lecture Slides.pptx
@@ -5,7 +5,7 @@
     <p:sldMasterId id="2147483660" r:id="rId1"/>
   </p:sldMasterIdLst>
   <p:notesMasterIdLst>
-    <p:notesMasterId r:id="rId55"/>
+    <p:notesMasterId r:id="rId61"/>
   </p:notesMasterIdLst>
   <p:sldIdLst>
     <p:sldId id="256" r:id="rId2"/>
@@ -58,9 +58,15 @@
     <p:sldId id="317" r:id="rId49"/>
     <p:sldId id="277" r:id="rId50"/>
     <p:sldId id="309" r:id="rId51"/>
-    <p:sldId id="296" r:id="rId52"/>
-    <p:sldId id="270" r:id="rId53"/>
-    <p:sldId id="263" r:id="rId54"/>
+    <p:sldId id="329" r:id="rId52"/>
+    <p:sldId id="330" r:id="rId53"/>
+    <p:sldId id="331" r:id="rId54"/>
+    <p:sldId id="326" r:id="rId55"/>
+    <p:sldId id="296" r:id="rId56"/>
+    <p:sldId id="327" r:id="rId57"/>
+    <p:sldId id="328" r:id="rId58"/>
+    <p:sldId id="270" r:id="rId59"/>
+    <p:sldId id="263" r:id="rId60"/>
   </p:sldIdLst>
   <p:sldSz cx="12192000" cy="6858000"/>
   <p:notesSz cx="6858000" cy="9144000"/>
@@ -249,7 +255,7 @@
           <a:p>
             <a:fld id="{FBB8FC64-E39C-4C42-B46F-635013E3CE61}" type="datetimeFigureOut">
               <a:rPr lang="en-US" smtClean="0"/>
-              <a:t>8/21/2022</a:t>
+              <a:t>8/30/2023</a:t>
             </a:fld>
             <a:endParaRPr lang="en-US"/>
           </a:p>
@@ -2531,6 +2537,182 @@
     <p:extLst>
       <p:ext uri="{BB962C8B-B14F-4D97-AF65-F5344CB8AC3E}">
         <p14:creationId xmlns:p14="http://schemas.microsoft.com/office/powerpoint/2010/main" val="3548893169"/>
+      </p:ext>
+    </p:extLst>
+  </p:cSld>
+  <p:clrMapOvr>
+    <a:masterClrMapping/>
+  </p:clrMapOvr>
+</p:notes>
+</file>
+
+<file path=ppt/notesSlides/notesSlide30.xml><?xml version="1.0" encoding="utf-8"?>
+<p:notes xmlns:a="http://schemas.openxmlformats.org/drawingml/2006/main" xmlns:r="http://schemas.openxmlformats.org/officeDocument/2006/relationships" xmlns:p="http://schemas.openxmlformats.org/presentationml/2006/main">
+  <p:cSld>
+    <p:spTree>
+      <p:nvGrpSpPr>
+        <p:cNvPr id="1" name=""/>
+        <p:cNvGrpSpPr/>
+        <p:nvPr/>
+      </p:nvGrpSpPr>
+      <p:grpSpPr>
+        <a:xfrm>
+          <a:off x="0" y="0"/>
+          <a:ext cx="0" cy="0"/>
+          <a:chOff x="0" y="0"/>
+          <a:chExt cx="0" cy="0"/>
+        </a:xfrm>
+      </p:grpSpPr>
+      <p:sp>
+        <p:nvSpPr>
+          <p:cNvPr id="2" name="Slide Image Placeholder 1"/>
+          <p:cNvSpPr>
+            <a:spLocks noGrp="1" noRot="1" noChangeAspect="1"/>
+          </p:cNvSpPr>
+          <p:nvPr>
+            <p:ph type="sldImg"/>
+          </p:nvPr>
+        </p:nvSpPr>
+        <p:spPr/>
+      </p:sp>
+      <p:sp>
+        <p:nvSpPr>
+          <p:cNvPr id="3" name="Notes Placeholder 2"/>
+          <p:cNvSpPr>
+            <a:spLocks noGrp="1"/>
+          </p:cNvSpPr>
+          <p:nvPr>
+            <p:ph type="body" idx="1"/>
+          </p:nvPr>
+        </p:nvSpPr>
+        <p:spPr/>
+        <p:txBody>
+          <a:bodyPr/>
+          <a:lstStyle/>
+          <a:p>
+            <a:pPr marL="171450" indent="-171450">
+              <a:buFont typeface="Arial" panose="020B0604020202020204" pitchFamily="34" charset="0"/>
+              <a:buChar char="•"/>
+            </a:pPr>
+            <a:endParaRPr lang="en-US" dirty="0"/>
+          </a:p>
+        </p:txBody>
+      </p:sp>
+      <p:sp>
+        <p:nvSpPr>
+          <p:cNvPr id="4" name="Slide Number Placeholder 3"/>
+          <p:cNvSpPr>
+            <a:spLocks noGrp="1"/>
+          </p:cNvSpPr>
+          <p:nvPr>
+            <p:ph type="sldNum" sz="quarter" idx="5"/>
+          </p:nvPr>
+        </p:nvSpPr>
+        <p:spPr/>
+        <p:txBody>
+          <a:bodyPr/>
+          <a:lstStyle/>
+          <a:p>
+            <a:fld id="{05128D9E-E9B9-4A2D-AB49-1C92CAFDAE5A}" type="slidenum">
+              <a:rPr lang="en-US" smtClean="0"/>
+              <a:t>56</a:t>
+            </a:fld>
+            <a:endParaRPr lang="en-US"/>
+          </a:p>
+        </p:txBody>
+      </p:sp>
+    </p:spTree>
+    <p:extLst>
+      <p:ext uri="{BB962C8B-B14F-4D97-AF65-F5344CB8AC3E}">
+        <p14:creationId xmlns:p14="http://schemas.microsoft.com/office/powerpoint/2010/main" val="2330323861"/>
+      </p:ext>
+    </p:extLst>
+  </p:cSld>
+  <p:clrMapOvr>
+    <a:masterClrMapping/>
+  </p:clrMapOvr>
+</p:notes>
+</file>
+
+<file path=ppt/notesSlides/notesSlide31.xml><?xml version="1.0" encoding="utf-8"?>
+<p:notes xmlns:a="http://schemas.openxmlformats.org/drawingml/2006/main" xmlns:r="http://schemas.openxmlformats.org/officeDocument/2006/relationships" xmlns:p="http://schemas.openxmlformats.org/presentationml/2006/main">
+  <p:cSld>
+    <p:spTree>
+      <p:nvGrpSpPr>
+        <p:cNvPr id="1" name=""/>
+        <p:cNvGrpSpPr/>
+        <p:nvPr/>
+      </p:nvGrpSpPr>
+      <p:grpSpPr>
+        <a:xfrm>
+          <a:off x="0" y="0"/>
+          <a:ext cx="0" cy="0"/>
+          <a:chOff x="0" y="0"/>
+          <a:chExt cx="0" cy="0"/>
+        </a:xfrm>
+      </p:grpSpPr>
+      <p:sp>
+        <p:nvSpPr>
+          <p:cNvPr id="2" name="Slide Image Placeholder 1"/>
+          <p:cNvSpPr>
+            <a:spLocks noGrp="1" noRot="1" noChangeAspect="1"/>
+          </p:cNvSpPr>
+          <p:nvPr>
+            <p:ph type="sldImg"/>
+          </p:nvPr>
+        </p:nvSpPr>
+        <p:spPr/>
+      </p:sp>
+      <p:sp>
+        <p:nvSpPr>
+          <p:cNvPr id="3" name="Notes Placeholder 2"/>
+          <p:cNvSpPr>
+            <a:spLocks noGrp="1"/>
+          </p:cNvSpPr>
+          <p:nvPr>
+            <p:ph type="body" idx="1"/>
+          </p:nvPr>
+        </p:nvSpPr>
+        <p:spPr/>
+        <p:txBody>
+          <a:bodyPr/>
+          <a:lstStyle/>
+          <a:p>
+            <a:pPr marL="171450" indent="-171450">
+              <a:buFont typeface="Arial" panose="020B0604020202020204" pitchFamily="34" charset="0"/>
+              <a:buChar char="•"/>
+            </a:pPr>
+            <a:endParaRPr lang="en-US" dirty="0"/>
+          </a:p>
+        </p:txBody>
+      </p:sp>
+      <p:sp>
+        <p:nvSpPr>
+          <p:cNvPr id="4" name="Slide Number Placeholder 3"/>
+          <p:cNvSpPr>
+            <a:spLocks noGrp="1"/>
+          </p:cNvSpPr>
+          <p:nvPr>
+            <p:ph type="sldNum" sz="quarter" idx="5"/>
+          </p:nvPr>
+        </p:nvSpPr>
+        <p:spPr/>
+        <p:txBody>
+          <a:bodyPr/>
+          <a:lstStyle/>
+          <a:p>
+            <a:fld id="{05128D9E-E9B9-4A2D-AB49-1C92CAFDAE5A}" type="slidenum">
+              <a:rPr lang="en-US" smtClean="0"/>
+              <a:t>57</a:t>
+            </a:fld>
+            <a:endParaRPr lang="en-US"/>
+          </a:p>
+        </p:txBody>
+      </p:sp>
+    </p:spTree>
+    <p:extLst>
+      <p:ext uri="{BB962C8B-B14F-4D97-AF65-F5344CB8AC3E}">
+        <p14:creationId xmlns:p14="http://schemas.microsoft.com/office/powerpoint/2010/main" val="3241969723"/>
       </p:ext>
     </p:extLst>
   </p:cSld>
@@ -3790,7 +3972,7 @@
           <a:p>
             <a:fld id="{BDCF5898-5A22-4DB9-8321-F98B64690223}" type="datetimeFigureOut">
               <a:rPr lang="en-US" smtClean="0"/>
-              <a:t>8/21/2022</a:t>
+              <a:t>8/30/2023</a:t>
             </a:fld>
             <a:endParaRPr lang="en-US"/>
           </a:p>
@@ -4041,7 +4223,7 @@
           <a:p>
             <a:fld id="{BDCF5898-5A22-4DB9-8321-F98B64690223}" type="datetimeFigureOut">
               <a:rPr lang="en-US" smtClean="0"/>
-              <a:t>8/21/2022</a:t>
+              <a:t>8/30/2023</a:t>
             </a:fld>
             <a:endParaRPr lang="en-US"/>
           </a:p>
@@ -4355,7 +4537,7 @@
           <a:p>
             <a:fld id="{BDCF5898-5A22-4DB9-8321-F98B64690223}" type="datetimeFigureOut">
               <a:rPr lang="en-US" smtClean="0"/>
-              <a:t>8/21/2022</a:t>
+              <a:t>8/30/2023</a:t>
             </a:fld>
             <a:endParaRPr lang="en-US"/>
           </a:p>
@@ -4696,7 +4878,7 @@
           <a:p>
             <a:fld id="{BDCF5898-5A22-4DB9-8321-F98B64690223}" type="datetimeFigureOut">
               <a:rPr lang="en-US" smtClean="0"/>
-              <a:t>8/21/2022</a:t>
+              <a:t>8/30/2023</a:t>
             </a:fld>
             <a:endParaRPr lang="en-US"/>
           </a:p>
@@ -5010,7 +5192,7 @@
           <a:p>
             <a:fld id="{BDCF5898-5A22-4DB9-8321-F98B64690223}" type="datetimeFigureOut">
               <a:rPr lang="en-US" smtClean="0"/>
-              <a:t>8/21/2022</a:t>
+              <a:t>8/30/2023</a:t>
             </a:fld>
             <a:endParaRPr lang="en-US"/>
           </a:p>
@@ -5403,7 +5585,7 @@
           <a:p>
             <a:fld id="{BDCF5898-5A22-4DB9-8321-F98B64690223}" type="datetimeFigureOut">
               <a:rPr lang="en-US" smtClean="0"/>
-              <a:t>8/21/2022</a:t>
+              <a:t>8/30/2023</a:t>
             </a:fld>
             <a:endParaRPr lang="en-US"/>
           </a:p>
@@ -5573,7 +5755,7 @@
           <a:p>
             <a:fld id="{BDCF5898-5A22-4DB9-8321-F98B64690223}" type="datetimeFigureOut">
               <a:rPr lang="en-US" smtClean="0"/>
-              <a:t>8/21/2022</a:t>
+              <a:t>8/30/2023</a:t>
             </a:fld>
             <a:endParaRPr lang="en-US"/>
           </a:p>
@@ -5753,7 +5935,7 @@
           <a:p>
             <a:fld id="{BDCF5898-5A22-4DB9-8321-F98B64690223}" type="datetimeFigureOut">
               <a:rPr lang="en-US" smtClean="0"/>
-              <a:t>8/21/2022</a:t>
+              <a:t>8/30/2023</a:t>
             </a:fld>
             <a:endParaRPr lang="en-US"/>
           </a:p>
@@ -5929,7 +6111,7 @@
           <a:p>
             <a:fld id="{BDCF5898-5A22-4DB9-8321-F98B64690223}" type="datetimeFigureOut">
               <a:rPr lang="en-US" smtClean="0"/>
-              <a:t>8/21/2022</a:t>
+              <a:t>8/30/2023</a:t>
             </a:fld>
             <a:endParaRPr lang="en-US"/>
           </a:p>
@@ -6176,7 +6358,7 @@
           <a:p>
             <a:fld id="{BDCF5898-5A22-4DB9-8321-F98B64690223}" type="datetimeFigureOut">
               <a:rPr lang="en-US" smtClean="0"/>
-              <a:t>8/21/2022</a:t>
+              <a:t>8/30/2023</a:t>
             </a:fld>
             <a:endParaRPr lang="en-US"/>
           </a:p>
@@ -6408,7 +6590,7 @@
           <a:p>
             <a:fld id="{BDCF5898-5A22-4DB9-8321-F98B64690223}" type="datetimeFigureOut">
               <a:rPr lang="en-US" smtClean="0"/>
-              <a:t>8/21/2022</a:t>
+              <a:t>8/30/2023</a:t>
             </a:fld>
             <a:endParaRPr lang="en-US"/>
           </a:p>
@@ -6782,7 +6964,7 @@
           <a:p>
             <a:fld id="{BDCF5898-5A22-4DB9-8321-F98B64690223}" type="datetimeFigureOut">
               <a:rPr lang="en-US" smtClean="0"/>
-              <a:t>8/21/2022</a:t>
+              <a:t>8/30/2023</a:t>
             </a:fld>
             <a:endParaRPr lang="en-US"/>
           </a:p>
@@ -6905,7 +7087,7 @@
           <a:p>
             <a:fld id="{BDCF5898-5A22-4DB9-8321-F98B64690223}" type="datetimeFigureOut">
               <a:rPr lang="en-US" smtClean="0"/>
-              <a:t>8/21/2022</a:t>
+              <a:t>8/30/2023</a:t>
             </a:fld>
             <a:endParaRPr lang="en-US"/>
           </a:p>
@@ -7000,7 +7182,7 @@
           <a:p>
             <a:fld id="{BDCF5898-5A22-4DB9-8321-F98B64690223}" type="datetimeFigureOut">
               <a:rPr lang="en-US" smtClean="0"/>
-              <a:t>8/21/2022</a:t>
+              <a:t>8/30/2023</a:t>
             </a:fld>
             <a:endParaRPr lang="en-US"/>
           </a:p>
@@ -7255,7 +7437,7 @@
           <a:p>
             <a:fld id="{BDCF5898-5A22-4DB9-8321-F98B64690223}" type="datetimeFigureOut">
               <a:rPr lang="en-US" smtClean="0"/>
-              <a:t>8/21/2022</a:t>
+              <a:t>8/30/2023</a:t>
             </a:fld>
             <a:endParaRPr lang="en-US"/>
           </a:p>
@@ -7518,7 +7700,7 @@
           <a:p>
             <a:fld id="{BDCF5898-5A22-4DB9-8321-F98B64690223}" type="datetimeFigureOut">
               <a:rPr lang="en-US" smtClean="0"/>
-              <a:t>8/21/2022</a:t>
+              <a:t>8/30/2023</a:t>
             </a:fld>
             <a:endParaRPr lang="en-US"/>
           </a:p>
@@ -8261,7 +8443,7 @@
           <a:p>
             <a:fld id="{BDCF5898-5A22-4DB9-8321-F98B64690223}" type="datetimeFigureOut">
               <a:rPr lang="en-US" smtClean="0"/>
-              <a:t>8/21/2022</a:t>
+              <a:t>8/30/2023</a:t>
             </a:fld>
             <a:endParaRPr lang="en-US"/>
           </a:p>
@@ -23583,7 +23765,7 @@
           <p:cNvPr id="2" name="Title 1">
             <a:extLst>
               <a:ext uri="{FF2B5EF4-FFF2-40B4-BE49-F238E27FC236}">
-                <a16:creationId xmlns:a16="http://schemas.microsoft.com/office/drawing/2014/main" id="{972486FC-8DDC-4C84-B6A8-725DE7A8E599}"/>
+                <a16:creationId xmlns:a16="http://schemas.microsoft.com/office/drawing/2014/main" id="{19AE8673-E267-4C34-83B2-E50F8C6C8167}"/>
               </a:ext>
             </a:extLst>
           </p:cNvPr>
@@ -23591,226 +23773,23 @@
             <a:spLocks noGrp="1"/>
           </p:cNvSpPr>
           <p:nvPr>
-            <p:ph type="title"/>
-          </p:nvPr>
-        </p:nvSpPr>
-        <p:spPr/>
+            <p:ph type="ctrTitle"/>
+          </p:nvPr>
+        </p:nvSpPr>
+        <p:spPr>
+          <a:xfrm>
+            <a:off x="1448344" y="2404531"/>
+            <a:ext cx="7766936" cy="1646302"/>
+          </a:xfrm>
+        </p:spPr>
         <p:txBody>
           <a:bodyPr/>
           <a:lstStyle/>
           <a:p>
+            <a:pPr algn="l"/>
             <a:r>
               <a:rPr lang="en-US" dirty="0"/>
-              <a:t>Review!</a:t>
-            </a:r>
-          </a:p>
-        </p:txBody>
-      </p:sp>
-      <p:sp>
-        <p:nvSpPr>
-          <p:cNvPr id="6" name="Content Placeholder 2">
-            <a:extLst>
-              <a:ext uri="{FF2B5EF4-FFF2-40B4-BE49-F238E27FC236}">
-                <a16:creationId xmlns:a16="http://schemas.microsoft.com/office/drawing/2014/main" id="{4E8054A1-14AA-4D56-A82D-A5F05B2A9F7E}"/>
-              </a:ext>
-            </a:extLst>
-          </p:cNvPr>
-          <p:cNvSpPr>
-            <a:spLocks noGrp="1"/>
-          </p:cNvSpPr>
-          <p:nvPr>
-            <p:ph idx="1"/>
-          </p:nvPr>
-        </p:nvSpPr>
-        <p:spPr>
-          <a:xfrm>
-            <a:off x="677334" y="1384917"/>
-            <a:ext cx="8839528" cy="5122415"/>
-          </a:xfrm>
-        </p:spPr>
-        <p:txBody>
-          <a:bodyPr>
-            <a:normAutofit/>
-          </a:bodyPr>
-          <a:lstStyle/>
-          <a:p>
-            <a:pPr>
-              <a:lnSpc>
-                <a:spcPct val="110000"/>
-              </a:lnSpc>
-            </a:pPr>
-            <a:r>
-              <a:rPr lang="en-US" dirty="0"/>
-              <a:t>SQL stands for </a:t>
-            </a:r>
-            <a:r>
-              <a:rPr lang="en-US" b="1" dirty="0"/>
-              <a:t>Structured Querying Language </a:t>
-            </a:r>
-            <a:r>
-              <a:rPr lang="en-US" dirty="0"/>
-              <a:t>and is used to communicate with databases</a:t>
-            </a:r>
-          </a:p>
-          <a:p>
-            <a:pPr>
-              <a:lnSpc>
-                <a:spcPct val="110000"/>
-              </a:lnSpc>
-            </a:pPr>
-            <a:r>
-              <a:rPr lang="en-US" dirty="0"/>
-              <a:t>SQL queries can be made up of up to </a:t>
-            </a:r>
-            <a:r>
-              <a:rPr lang="en-US" b="1" dirty="0"/>
-              <a:t>6 clauses </a:t>
-            </a:r>
-            <a:r>
-              <a:rPr lang="en-US" dirty="0"/>
-              <a:t>but only the select clause and from clause are required</a:t>
-            </a:r>
-          </a:p>
-          <a:p>
-            <a:pPr>
-              <a:lnSpc>
-                <a:spcPct val="110000"/>
-              </a:lnSpc>
-            </a:pPr>
-            <a:r>
-              <a:rPr lang="en-US" dirty="0"/>
-              <a:t>The </a:t>
-            </a:r>
-            <a:r>
-              <a:rPr lang="en-US" b="1" dirty="0"/>
-              <a:t>select clause </a:t>
-            </a:r>
-            <a:r>
-              <a:rPr lang="en-US" dirty="0"/>
-              <a:t>determines which columns will be included in the query’s result</a:t>
-            </a:r>
-          </a:p>
-          <a:p>
-            <a:pPr>
-              <a:lnSpc>
-                <a:spcPct val="110000"/>
-              </a:lnSpc>
-            </a:pPr>
-            <a:r>
-              <a:rPr lang="en-US" dirty="0"/>
-              <a:t>The </a:t>
-            </a:r>
-            <a:r>
-              <a:rPr lang="en-US" b="1" dirty="0"/>
-              <a:t>from clause </a:t>
-            </a:r>
-            <a:r>
-              <a:rPr lang="en-US" dirty="0"/>
-              <a:t>determines which </a:t>
-            </a:r>
-            <a:r>
-              <a:rPr lang="en-US" i="1" dirty="0"/>
-              <a:t>tables</a:t>
-            </a:r>
-            <a:r>
-              <a:rPr lang="en-US" dirty="0"/>
-              <a:t> to retrieve data from and how they should be </a:t>
-            </a:r>
-            <a:r>
-              <a:rPr lang="en-US" i="1" dirty="0"/>
-              <a:t>joined </a:t>
-            </a:r>
-            <a:r>
-              <a:rPr lang="en-US" dirty="0"/>
-              <a:t>together</a:t>
-            </a:r>
-          </a:p>
-          <a:p>
-            <a:pPr>
-              <a:lnSpc>
-                <a:spcPct val="110000"/>
-              </a:lnSpc>
-            </a:pPr>
-            <a:r>
-              <a:rPr lang="en-US" dirty="0"/>
-              <a:t>The </a:t>
-            </a:r>
-            <a:r>
-              <a:rPr lang="en-US" b="1" dirty="0"/>
-              <a:t>where clause </a:t>
-            </a:r>
-            <a:r>
-              <a:rPr lang="en-US" dirty="0"/>
-              <a:t>filters out unwanted rows of data based on conditions</a:t>
-            </a:r>
-          </a:p>
-          <a:p>
-            <a:pPr>
-              <a:lnSpc>
-                <a:spcPct val="110000"/>
-              </a:lnSpc>
-            </a:pPr>
-            <a:r>
-              <a:rPr lang="en-US" dirty="0"/>
-              <a:t>The</a:t>
-            </a:r>
-            <a:r>
-              <a:rPr lang="en-US" i="1" dirty="0"/>
-              <a:t> </a:t>
-            </a:r>
-            <a:r>
-              <a:rPr lang="en-US" b="1" dirty="0"/>
-              <a:t>group by clause </a:t>
-            </a:r>
-            <a:r>
-              <a:rPr lang="en-US" dirty="0"/>
-              <a:t>allows us to manipulate our data via grouping or aggregation across common column values</a:t>
-            </a:r>
-          </a:p>
-          <a:p>
-            <a:pPr>
-              <a:lnSpc>
-                <a:spcPct val="110000"/>
-              </a:lnSpc>
-            </a:pPr>
-            <a:r>
-              <a:rPr lang="en-US" dirty="0"/>
-              <a:t>The </a:t>
-            </a:r>
-            <a:r>
-              <a:rPr lang="en-US" b="1" dirty="0"/>
-              <a:t>having clause </a:t>
-            </a:r>
-            <a:r>
-              <a:rPr lang="en-US" dirty="0"/>
-              <a:t>filters out unwanted </a:t>
-            </a:r>
-            <a:r>
-              <a:rPr lang="en-US" u="sng" dirty="0"/>
-              <a:t>groups</a:t>
-            </a:r>
-            <a:r>
-              <a:rPr lang="en-US" dirty="0"/>
-              <a:t> based on conditions</a:t>
-            </a:r>
-          </a:p>
-          <a:p>
-            <a:pPr>
-              <a:lnSpc>
-                <a:spcPct val="110000"/>
-              </a:lnSpc>
-            </a:pPr>
-            <a:r>
-              <a:rPr lang="en-US" dirty="0"/>
-              <a:t>The </a:t>
-            </a:r>
-            <a:r>
-              <a:rPr lang="en-US" b="1" dirty="0"/>
-              <a:t>order by clause </a:t>
-            </a:r>
-            <a:r>
-              <a:rPr lang="en-US" dirty="0"/>
-              <a:t>sorts the output of the query by one or multiple columns</a:t>
+              <a:t>Limit Clause (Bonus!)</a:t>
             </a:r>
           </a:p>
         </p:txBody>
@@ -23818,7 +23797,7 @@
     </p:spTree>
     <p:extLst>
       <p:ext uri="{BB962C8B-B14F-4D97-AF65-F5344CB8AC3E}">
-        <p14:creationId xmlns:p14="http://schemas.microsoft.com/office/powerpoint/2010/main" val="2797319259"/>
+        <p14:creationId xmlns:p14="http://schemas.microsoft.com/office/powerpoint/2010/main" val="2036296182"/>
       </p:ext>
     </p:extLst>
   </p:cSld>
@@ -23868,6 +23847,2718 @@
           <a:p>
             <a:r>
               <a:rPr lang="en-US" dirty="0"/>
+              <a:t>Limit Clause</a:t>
+            </a:r>
+          </a:p>
+        </p:txBody>
+      </p:sp>
+      <p:sp>
+        <p:nvSpPr>
+          <p:cNvPr id="6" name="Content Placeholder 2">
+            <a:extLst>
+              <a:ext uri="{FF2B5EF4-FFF2-40B4-BE49-F238E27FC236}">
+                <a16:creationId xmlns:a16="http://schemas.microsoft.com/office/drawing/2014/main" id="{F513A765-53D3-4107-B6F3-D1F8AEAB4825}"/>
+              </a:ext>
+            </a:extLst>
+          </p:cNvPr>
+          <p:cNvSpPr txBox="1">
+            <a:spLocks/>
+          </p:cNvSpPr>
+          <p:nvPr/>
+        </p:nvSpPr>
+        <p:spPr>
+          <a:xfrm>
+            <a:off x="677334" y="1583771"/>
+            <a:ext cx="9221268" cy="4664629"/>
+          </a:xfrm>
+          <a:prstGeom prst="rect">
+            <a:avLst/>
+          </a:prstGeom>
+        </p:spPr>
+        <p:txBody>
+          <a:bodyPr vert="horz" lIns="91440" tIns="45720" rIns="91440" bIns="45720" rtlCol="0">
+            <a:normAutofit/>
+          </a:bodyPr>
+          <a:lstStyle>
+            <a:lvl1pPr marL="342900" indent="-342900" algn="l" defTabSz="457200" rtl="0" eaLnBrk="1" latinLnBrk="0" hangingPunct="1">
+              <a:spcBef>
+                <a:spcPts val="1000"/>
+              </a:spcBef>
+              <a:spcAft>
+                <a:spcPts val="0"/>
+              </a:spcAft>
+              <a:buClr>
+                <a:schemeClr val="accent1"/>
+              </a:buClr>
+              <a:buSzPct val="80000"/>
+              <a:buFont typeface="Wingdings 3" charset="2"/>
+              <a:buChar char=""/>
+              <a:defRPr sz="1800" kern="1200">
+                <a:solidFill>
+                  <a:schemeClr val="tx1">
+                    <a:lumMod val="75000"/>
+                    <a:lumOff val="25000"/>
+                  </a:schemeClr>
+                </a:solidFill>
+                <a:latin typeface="+mn-lt"/>
+                <a:ea typeface="+mn-ea"/>
+                <a:cs typeface="+mn-cs"/>
+              </a:defRPr>
+            </a:lvl1pPr>
+            <a:lvl2pPr marL="742950" indent="-285750" algn="l" defTabSz="457200" rtl="0" eaLnBrk="1" latinLnBrk="0" hangingPunct="1">
+              <a:spcBef>
+                <a:spcPts val="1000"/>
+              </a:spcBef>
+              <a:spcAft>
+                <a:spcPts val="0"/>
+              </a:spcAft>
+              <a:buClr>
+                <a:schemeClr val="accent1"/>
+              </a:buClr>
+              <a:buSzPct val="80000"/>
+              <a:buFont typeface="Wingdings 3" charset="2"/>
+              <a:buChar char=""/>
+              <a:defRPr sz="1600" kern="1200">
+                <a:solidFill>
+                  <a:schemeClr val="tx1">
+                    <a:lumMod val="75000"/>
+                    <a:lumOff val="25000"/>
+                  </a:schemeClr>
+                </a:solidFill>
+                <a:latin typeface="+mn-lt"/>
+                <a:ea typeface="+mn-ea"/>
+                <a:cs typeface="+mn-cs"/>
+              </a:defRPr>
+            </a:lvl2pPr>
+            <a:lvl3pPr marL="1143000" indent="-228600" algn="l" defTabSz="457200" rtl="0" eaLnBrk="1" latinLnBrk="0" hangingPunct="1">
+              <a:spcBef>
+                <a:spcPts val="1000"/>
+              </a:spcBef>
+              <a:spcAft>
+                <a:spcPts val="0"/>
+              </a:spcAft>
+              <a:buClr>
+                <a:schemeClr val="accent1"/>
+              </a:buClr>
+              <a:buSzPct val="80000"/>
+              <a:buFont typeface="Wingdings 3" charset="2"/>
+              <a:buChar char=""/>
+              <a:defRPr sz="1400" kern="1200">
+                <a:solidFill>
+                  <a:schemeClr val="tx1">
+                    <a:lumMod val="75000"/>
+                    <a:lumOff val="25000"/>
+                  </a:schemeClr>
+                </a:solidFill>
+                <a:latin typeface="+mn-lt"/>
+                <a:ea typeface="+mn-ea"/>
+                <a:cs typeface="+mn-cs"/>
+              </a:defRPr>
+            </a:lvl3pPr>
+            <a:lvl4pPr marL="1600200" indent="-228600" algn="l" defTabSz="457200" rtl="0" eaLnBrk="1" latinLnBrk="0" hangingPunct="1">
+              <a:spcBef>
+                <a:spcPts val="1000"/>
+              </a:spcBef>
+              <a:spcAft>
+                <a:spcPts val="0"/>
+              </a:spcAft>
+              <a:buClr>
+                <a:schemeClr val="accent1"/>
+              </a:buClr>
+              <a:buSzPct val="80000"/>
+              <a:buFont typeface="Wingdings 3" charset="2"/>
+              <a:buChar char=""/>
+              <a:defRPr sz="1200" kern="1200">
+                <a:solidFill>
+                  <a:schemeClr val="tx1">
+                    <a:lumMod val="75000"/>
+                    <a:lumOff val="25000"/>
+                  </a:schemeClr>
+                </a:solidFill>
+                <a:latin typeface="+mn-lt"/>
+                <a:ea typeface="+mn-ea"/>
+                <a:cs typeface="+mn-cs"/>
+              </a:defRPr>
+            </a:lvl4pPr>
+            <a:lvl5pPr marL="2057400" indent="-228600" algn="l" defTabSz="457200" rtl="0" eaLnBrk="1" latinLnBrk="0" hangingPunct="1">
+              <a:spcBef>
+                <a:spcPts val="1000"/>
+              </a:spcBef>
+              <a:spcAft>
+                <a:spcPts val="0"/>
+              </a:spcAft>
+              <a:buClr>
+                <a:schemeClr val="accent1"/>
+              </a:buClr>
+              <a:buSzPct val="80000"/>
+              <a:buFont typeface="Wingdings 3" charset="2"/>
+              <a:buChar char=""/>
+              <a:defRPr sz="1200" kern="1200">
+                <a:solidFill>
+                  <a:schemeClr val="tx1">
+                    <a:lumMod val="75000"/>
+                    <a:lumOff val="25000"/>
+                  </a:schemeClr>
+                </a:solidFill>
+                <a:latin typeface="+mn-lt"/>
+                <a:ea typeface="+mn-ea"/>
+                <a:cs typeface="+mn-cs"/>
+              </a:defRPr>
+            </a:lvl5pPr>
+            <a:lvl6pPr marL="2514600" indent="-228600" algn="l" defTabSz="457200" rtl="0" eaLnBrk="1" latinLnBrk="0" hangingPunct="1">
+              <a:spcBef>
+                <a:spcPts val="1000"/>
+              </a:spcBef>
+              <a:spcAft>
+                <a:spcPts val="0"/>
+              </a:spcAft>
+              <a:buClr>
+                <a:schemeClr val="accent1"/>
+              </a:buClr>
+              <a:buSzPct val="80000"/>
+              <a:buFont typeface="Wingdings 3" charset="2"/>
+              <a:buChar char=""/>
+              <a:defRPr sz="1200" kern="1200">
+                <a:solidFill>
+                  <a:schemeClr val="tx1">
+                    <a:lumMod val="75000"/>
+                    <a:lumOff val="25000"/>
+                  </a:schemeClr>
+                </a:solidFill>
+                <a:latin typeface="+mn-lt"/>
+                <a:ea typeface="+mn-ea"/>
+                <a:cs typeface="+mn-cs"/>
+              </a:defRPr>
+            </a:lvl6pPr>
+            <a:lvl7pPr marL="2971800" indent="-228600" algn="l" defTabSz="457200" rtl="0" eaLnBrk="1" latinLnBrk="0" hangingPunct="1">
+              <a:spcBef>
+                <a:spcPts val="1000"/>
+              </a:spcBef>
+              <a:spcAft>
+                <a:spcPts val="0"/>
+              </a:spcAft>
+              <a:buClr>
+                <a:schemeClr val="accent1"/>
+              </a:buClr>
+              <a:buSzPct val="80000"/>
+              <a:buFont typeface="Wingdings 3" charset="2"/>
+              <a:buChar char=""/>
+              <a:defRPr sz="1200" kern="1200">
+                <a:solidFill>
+                  <a:schemeClr val="tx1">
+                    <a:lumMod val="75000"/>
+                    <a:lumOff val="25000"/>
+                  </a:schemeClr>
+                </a:solidFill>
+                <a:latin typeface="+mn-lt"/>
+                <a:ea typeface="+mn-ea"/>
+                <a:cs typeface="+mn-cs"/>
+              </a:defRPr>
+            </a:lvl7pPr>
+            <a:lvl8pPr marL="3429000" indent="-228600" algn="l" defTabSz="457200" rtl="0" eaLnBrk="1" latinLnBrk="0" hangingPunct="1">
+              <a:spcBef>
+                <a:spcPts val="1000"/>
+              </a:spcBef>
+              <a:spcAft>
+                <a:spcPts val="0"/>
+              </a:spcAft>
+              <a:buClr>
+                <a:schemeClr val="accent1"/>
+              </a:buClr>
+              <a:buSzPct val="80000"/>
+              <a:buFont typeface="Wingdings 3" charset="2"/>
+              <a:buChar char=""/>
+              <a:defRPr sz="1200" kern="1200">
+                <a:solidFill>
+                  <a:schemeClr val="tx1">
+                    <a:lumMod val="75000"/>
+                    <a:lumOff val="25000"/>
+                  </a:schemeClr>
+                </a:solidFill>
+                <a:latin typeface="+mn-lt"/>
+                <a:ea typeface="+mn-ea"/>
+                <a:cs typeface="+mn-cs"/>
+              </a:defRPr>
+            </a:lvl8pPr>
+            <a:lvl9pPr marL="3886200" indent="-228600" algn="l" defTabSz="457200" rtl="0" eaLnBrk="1" latinLnBrk="0" hangingPunct="1">
+              <a:spcBef>
+                <a:spcPts val="1000"/>
+              </a:spcBef>
+              <a:spcAft>
+                <a:spcPts val="0"/>
+              </a:spcAft>
+              <a:buClr>
+                <a:schemeClr val="accent1"/>
+              </a:buClr>
+              <a:buSzPct val="80000"/>
+              <a:buFont typeface="Wingdings 3" charset="2"/>
+              <a:buChar char=""/>
+              <a:defRPr sz="1200" kern="1200">
+                <a:solidFill>
+                  <a:schemeClr val="tx1">
+                    <a:lumMod val="75000"/>
+                    <a:lumOff val="25000"/>
+                  </a:schemeClr>
+                </a:solidFill>
+                <a:latin typeface="+mn-lt"/>
+                <a:ea typeface="+mn-ea"/>
+                <a:cs typeface="+mn-cs"/>
+              </a:defRPr>
+            </a:lvl9pPr>
+          </a:lstStyle>
+          <a:p>
+            <a:r>
+              <a:rPr lang="en-US" sz="2200" dirty="0"/>
+              <a:t>The </a:t>
+            </a:r>
+            <a:r>
+              <a:rPr lang="en-US" sz="2200" i="1" dirty="0"/>
+              <a:t>limit clause </a:t>
+            </a:r>
+            <a:r>
+              <a:rPr lang="en-US" sz="2200" dirty="0"/>
+              <a:t>limits your output to a subset of rows specified in the clause</a:t>
+            </a:r>
+          </a:p>
+          <a:p>
+            <a:pPr marL="0" indent="0">
+              <a:buFont typeface="Wingdings 3" charset="2"/>
+              <a:buNone/>
+            </a:pPr>
+            <a:endParaRPr lang="en-US" sz="2200" dirty="0"/>
+          </a:p>
+          <a:p>
+            <a:r>
+              <a:rPr lang="en-US" sz="2200" dirty="0"/>
+              <a:t>The </a:t>
+            </a:r>
+            <a:r>
+              <a:rPr lang="en-US" sz="2200" i="1" dirty="0"/>
+              <a:t>limit clause </a:t>
+            </a:r>
+            <a:r>
+              <a:rPr lang="en-US" sz="2200" dirty="0"/>
+              <a:t>is located at the very end of a query</a:t>
+            </a:r>
+          </a:p>
+          <a:p>
+            <a:pPr marL="0" indent="0">
+              <a:buFont typeface="Wingdings 3" charset="2"/>
+              <a:buNone/>
+            </a:pPr>
+            <a:endParaRPr lang="en-US" sz="2200" dirty="0"/>
+          </a:p>
+          <a:p>
+            <a:pPr marL="0" indent="0">
+              <a:buFont typeface="Wingdings 3" charset="2"/>
+              <a:buNone/>
+            </a:pPr>
+            <a:endParaRPr lang="en-US" sz="2200" dirty="0"/>
+          </a:p>
+        </p:txBody>
+      </p:sp>
+    </p:spTree>
+    <p:extLst>
+      <p:ext uri="{BB962C8B-B14F-4D97-AF65-F5344CB8AC3E}">
+        <p14:creationId xmlns:p14="http://schemas.microsoft.com/office/powerpoint/2010/main" val="2541706717"/>
+      </p:ext>
+    </p:extLst>
+  </p:cSld>
+  <p:clrMapOvr>
+    <a:masterClrMapping/>
+  </p:clrMapOvr>
+</p:sld>
+</file>
+
+<file path=ppt/slides/slide53.xml><?xml version="1.0" encoding="utf-8"?>
+<p:sld xmlns:a="http://schemas.openxmlformats.org/drawingml/2006/main" xmlns:r="http://schemas.openxmlformats.org/officeDocument/2006/relationships" xmlns:p="http://schemas.openxmlformats.org/presentationml/2006/main">
+  <p:cSld>
+    <p:spTree>
+      <p:nvGrpSpPr>
+        <p:cNvPr id="1" name=""/>
+        <p:cNvGrpSpPr/>
+        <p:nvPr/>
+      </p:nvGrpSpPr>
+      <p:grpSpPr>
+        <a:xfrm>
+          <a:off x="0" y="0"/>
+          <a:ext cx="0" cy="0"/>
+          <a:chOff x="0" y="0"/>
+          <a:chExt cx="0" cy="0"/>
+        </a:xfrm>
+      </p:grpSpPr>
+      <p:sp>
+        <p:nvSpPr>
+          <p:cNvPr id="2" name="Title 1">
+            <a:extLst>
+              <a:ext uri="{FF2B5EF4-FFF2-40B4-BE49-F238E27FC236}">
+                <a16:creationId xmlns:a16="http://schemas.microsoft.com/office/drawing/2014/main" id="{19AE8673-E267-4C34-83B2-E50F8C6C8167}"/>
+              </a:ext>
+            </a:extLst>
+          </p:cNvPr>
+          <p:cNvSpPr>
+            <a:spLocks noGrp="1"/>
+          </p:cNvSpPr>
+          <p:nvPr>
+            <p:ph type="ctrTitle"/>
+          </p:nvPr>
+        </p:nvSpPr>
+        <p:spPr>
+          <a:xfrm>
+            <a:off x="1448344" y="2404531"/>
+            <a:ext cx="7766936" cy="1646302"/>
+          </a:xfrm>
+        </p:spPr>
+        <p:txBody>
+          <a:bodyPr/>
+          <a:lstStyle/>
+          <a:p>
+            <a:pPr algn="l"/>
+            <a:r>
+              <a:rPr lang="en-US" dirty="0"/>
+              <a:t>Demo Set 1.7</a:t>
+            </a:r>
+          </a:p>
+        </p:txBody>
+      </p:sp>
+    </p:spTree>
+    <p:extLst>
+      <p:ext uri="{BB962C8B-B14F-4D97-AF65-F5344CB8AC3E}">
+        <p14:creationId xmlns:p14="http://schemas.microsoft.com/office/powerpoint/2010/main" val="3125646768"/>
+      </p:ext>
+    </p:extLst>
+  </p:cSld>
+  <p:clrMapOvr>
+    <a:masterClrMapping/>
+  </p:clrMapOvr>
+</p:sld>
+</file>
+
+<file path=ppt/slides/slide54.xml><?xml version="1.0" encoding="utf-8"?>
+<p:sld xmlns:a="http://schemas.openxmlformats.org/drawingml/2006/main" xmlns:r="http://schemas.openxmlformats.org/officeDocument/2006/relationships" xmlns:p="http://schemas.openxmlformats.org/presentationml/2006/main">
+  <p:cSld>
+    <p:spTree>
+      <p:nvGrpSpPr>
+        <p:cNvPr id="1" name=""/>
+        <p:cNvGrpSpPr/>
+        <p:nvPr/>
+      </p:nvGrpSpPr>
+      <p:grpSpPr>
+        <a:xfrm>
+          <a:off x="0" y="0"/>
+          <a:ext cx="0" cy="0"/>
+          <a:chOff x="0" y="0"/>
+          <a:chExt cx="0" cy="0"/>
+        </a:xfrm>
+      </p:grpSpPr>
+      <p:sp>
+        <p:nvSpPr>
+          <p:cNvPr id="2" name="Title 1">
+            <a:extLst>
+              <a:ext uri="{FF2B5EF4-FFF2-40B4-BE49-F238E27FC236}">
+                <a16:creationId xmlns:a16="http://schemas.microsoft.com/office/drawing/2014/main" id="{19AE8673-E267-4C34-83B2-E50F8C6C8167}"/>
+              </a:ext>
+            </a:extLst>
+          </p:cNvPr>
+          <p:cNvSpPr>
+            <a:spLocks noGrp="1"/>
+          </p:cNvSpPr>
+          <p:nvPr>
+            <p:ph type="ctrTitle"/>
+          </p:nvPr>
+        </p:nvSpPr>
+        <p:spPr>
+          <a:xfrm>
+            <a:off x="1448344" y="2404531"/>
+            <a:ext cx="7766936" cy="1646302"/>
+          </a:xfrm>
+        </p:spPr>
+        <p:txBody>
+          <a:bodyPr/>
+          <a:lstStyle/>
+          <a:p>
+            <a:pPr algn="l"/>
+            <a:r>
+              <a:rPr lang="en-US" dirty="0"/>
+              <a:t>Review</a:t>
+            </a:r>
+          </a:p>
+        </p:txBody>
+      </p:sp>
+    </p:spTree>
+    <p:extLst>
+      <p:ext uri="{BB962C8B-B14F-4D97-AF65-F5344CB8AC3E}">
+        <p14:creationId xmlns:p14="http://schemas.microsoft.com/office/powerpoint/2010/main" val="2828449332"/>
+      </p:ext>
+    </p:extLst>
+  </p:cSld>
+  <p:clrMapOvr>
+    <a:masterClrMapping/>
+  </p:clrMapOvr>
+</p:sld>
+</file>
+
+<file path=ppt/slides/slide55.xml><?xml version="1.0" encoding="utf-8"?>
+<p:sld xmlns:a="http://schemas.openxmlformats.org/drawingml/2006/main" xmlns:r="http://schemas.openxmlformats.org/officeDocument/2006/relationships" xmlns:p="http://schemas.openxmlformats.org/presentationml/2006/main">
+  <p:cSld>
+    <p:spTree>
+      <p:nvGrpSpPr>
+        <p:cNvPr id="1" name=""/>
+        <p:cNvGrpSpPr/>
+        <p:nvPr/>
+      </p:nvGrpSpPr>
+      <p:grpSpPr>
+        <a:xfrm>
+          <a:off x="0" y="0"/>
+          <a:ext cx="0" cy="0"/>
+          <a:chOff x="0" y="0"/>
+          <a:chExt cx="0" cy="0"/>
+        </a:xfrm>
+      </p:grpSpPr>
+      <p:sp>
+        <p:nvSpPr>
+          <p:cNvPr id="2" name="Title 1">
+            <a:extLst>
+              <a:ext uri="{FF2B5EF4-FFF2-40B4-BE49-F238E27FC236}">
+                <a16:creationId xmlns:a16="http://schemas.microsoft.com/office/drawing/2014/main" id="{972486FC-8DDC-4C84-B6A8-725DE7A8E599}"/>
+              </a:ext>
+            </a:extLst>
+          </p:cNvPr>
+          <p:cNvSpPr>
+            <a:spLocks noGrp="1"/>
+          </p:cNvSpPr>
+          <p:nvPr>
+            <p:ph type="title"/>
+          </p:nvPr>
+        </p:nvSpPr>
+        <p:spPr/>
+        <p:txBody>
+          <a:bodyPr/>
+          <a:lstStyle/>
+          <a:p>
+            <a:r>
+              <a:rPr lang="en-US" dirty="0"/>
+              <a:t>Review!</a:t>
+            </a:r>
+          </a:p>
+        </p:txBody>
+      </p:sp>
+      <p:sp>
+        <p:nvSpPr>
+          <p:cNvPr id="6" name="Content Placeholder 2">
+            <a:extLst>
+              <a:ext uri="{FF2B5EF4-FFF2-40B4-BE49-F238E27FC236}">
+                <a16:creationId xmlns:a16="http://schemas.microsoft.com/office/drawing/2014/main" id="{4E8054A1-14AA-4D56-A82D-A5F05B2A9F7E}"/>
+              </a:ext>
+            </a:extLst>
+          </p:cNvPr>
+          <p:cNvSpPr>
+            <a:spLocks noGrp="1"/>
+          </p:cNvSpPr>
+          <p:nvPr>
+            <p:ph idx="1"/>
+          </p:nvPr>
+        </p:nvSpPr>
+        <p:spPr>
+          <a:xfrm>
+            <a:off x="677334" y="1384917"/>
+            <a:ext cx="8839528" cy="5122415"/>
+          </a:xfrm>
+        </p:spPr>
+        <p:txBody>
+          <a:bodyPr>
+            <a:normAutofit/>
+          </a:bodyPr>
+          <a:lstStyle/>
+          <a:p>
+            <a:pPr>
+              <a:lnSpc>
+                <a:spcPct val="110000"/>
+              </a:lnSpc>
+            </a:pPr>
+            <a:r>
+              <a:rPr lang="en-US" dirty="0"/>
+              <a:t>SQL stands for </a:t>
+            </a:r>
+            <a:r>
+              <a:rPr lang="en-US" b="1" dirty="0"/>
+              <a:t>Structured Querying Language </a:t>
+            </a:r>
+            <a:r>
+              <a:rPr lang="en-US" dirty="0"/>
+              <a:t>and is used to communicate with databases</a:t>
+            </a:r>
+          </a:p>
+          <a:p>
+            <a:pPr>
+              <a:lnSpc>
+                <a:spcPct val="110000"/>
+              </a:lnSpc>
+            </a:pPr>
+            <a:r>
+              <a:rPr lang="en-US" dirty="0"/>
+              <a:t>SQL queries can be made up of up to </a:t>
+            </a:r>
+            <a:r>
+              <a:rPr lang="en-US" b="1" dirty="0"/>
+              <a:t>6 clauses </a:t>
+            </a:r>
+            <a:r>
+              <a:rPr lang="en-US" dirty="0"/>
+              <a:t>but only the select clause and from clause are required</a:t>
+            </a:r>
+          </a:p>
+          <a:p>
+            <a:pPr>
+              <a:lnSpc>
+                <a:spcPct val="110000"/>
+              </a:lnSpc>
+            </a:pPr>
+            <a:r>
+              <a:rPr lang="en-US" dirty="0"/>
+              <a:t>The </a:t>
+            </a:r>
+            <a:r>
+              <a:rPr lang="en-US" b="1" dirty="0"/>
+              <a:t>select clause </a:t>
+            </a:r>
+            <a:r>
+              <a:rPr lang="en-US" dirty="0"/>
+              <a:t>determines which columns will be included in the query’s result</a:t>
+            </a:r>
+          </a:p>
+          <a:p>
+            <a:pPr>
+              <a:lnSpc>
+                <a:spcPct val="110000"/>
+              </a:lnSpc>
+            </a:pPr>
+            <a:r>
+              <a:rPr lang="en-US" dirty="0"/>
+              <a:t>The </a:t>
+            </a:r>
+            <a:r>
+              <a:rPr lang="en-US" b="1" dirty="0"/>
+              <a:t>from clause </a:t>
+            </a:r>
+            <a:r>
+              <a:rPr lang="en-US" dirty="0"/>
+              <a:t>determines which </a:t>
+            </a:r>
+            <a:r>
+              <a:rPr lang="en-US" i="1" dirty="0"/>
+              <a:t>tables</a:t>
+            </a:r>
+            <a:r>
+              <a:rPr lang="en-US" dirty="0"/>
+              <a:t> to retrieve data from and how they should be </a:t>
+            </a:r>
+            <a:r>
+              <a:rPr lang="en-US" i="1" dirty="0"/>
+              <a:t>joined </a:t>
+            </a:r>
+            <a:r>
+              <a:rPr lang="en-US" dirty="0"/>
+              <a:t>together</a:t>
+            </a:r>
+          </a:p>
+          <a:p>
+            <a:pPr>
+              <a:lnSpc>
+                <a:spcPct val="110000"/>
+              </a:lnSpc>
+            </a:pPr>
+            <a:r>
+              <a:rPr lang="en-US" dirty="0"/>
+              <a:t>The </a:t>
+            </a:r>
+            <a:r>
+              <a:rPr lang="en-US" b="1" dirty="0"/>
+              <a:t>where clause </a:t>
+            </a:r>
+            <a:r>
+              <a:rPr lang="en-US" dirty="0"/>
+              <a:t>filters out unwanted rows of data based on conditions</a:t>
+            </a:r>
+          </a:p>
+          <a:p>
+            <a:pPr>
+              <a:lnSpc>
+                <a:spcPct val="110000"/>
+              </a:lnSpc>
+            </a:pPr>
+            <a:r>
+              <a:rPr lang="en-US" dirty="0"/>
+              <a:t>The</a:t>
+            </a:r>
+            <a:r>
+              <a:rPr lang="en-US" i="1" dirty="0"/>
+              <a:t> </a:t>
+            </a:r>
+            <a:r>
+              <a:rPr lang="en-US" b="1" dirty="0"/>
+              <a:t>group by clause </a:t>
+            </a:r>
+            <a:r>
+              <a:rPr lang="en-US" dirty="0"/>
+              <a:t>allows us to manipulate our data via grouping or aggregation across common column values</a:t>
+            </a:r>
+          </a:p>
+          <a:p>
+            <a:pPr>
+              <a:lnSpc>
+                <a:spcPct val="110000"/>
+              </a:lnSpc>
+            </a:pPr>
+            <a:r>
+              <a:rPr lang="en-US" dirty="0"/>
+              <a:t>The </a:t>
+            </a:r>
+            <a:r>
+              <a:rPr lang="en-US" b="1" dirty="0"/>
+              <a:t>having clause </a:t>
+            </a:r>
+            <a:r>
+              <a:rPr lang="en-US" dirty="0"/>
+              <a:t>filters out unwanted </a:t>
+            </a:r>
+            <a:r>
+              <a:rPr lang="en-US" u="sng" dirty="0"/>
+              <a:t>groups</a:t>
+            </a:r>
+            <a:r>
+              <a:rPr lang="en-US" dirty="0"/>
+              <a:t> based on conditions</a:t>
+            </a:r>
+          </a:p>
+          <a:p>
+            <a:pPr>
+              <a:lnSpc>
+                <a:spcPct val="110000"/>
+              </a:lnSpc>
+            </a:pPr>
+            <a:r>
+              <a:rPr lang="en-US" dirty="0"/>
+              <a:t>The </a:t>
+            </a:r>
+            <a:r>
+              <a:rPr lang="en-US" b="1" dirty="0"/>
+              <a:t>order by clause </a:t>
+            </a:r>
+            <a:r>
+              <a:rPr lang="en-US" dirty="0"/>
+              <a:t>sorts the output of the query by one or multiple columns</a:t>
+            </a:r>
+          </a:p>
+        </p:txBody>
+      </p:sp>
+    </p:spTree>
+    <p:extLst>
+      <p:ext uri="{BB962C8B-B14F-4D97-AF65-F5344CB8AC3E}">
+        <p14:creationId xmlns:p14="http://schemas.microsoft.com/office/powerpoint/2010/main" val="2797319259"/>
+      </p:ext>
+    </p:extLst>
+  </p:cSld>
+  <p:clrMapOvr>
+    <a:masterClrMapping/>
+  </p:clrMapOvr>
+</p:sld>
+</file>
+
+<file path=ppt/slides/slide56.xml><?xml version="1.0" encoding="utf-8"?>
+<p:sld xmlns:a="http://schemas.openxmlformats.org/drawingml/2006/main" xmlns:r="http://schemas.openxmlformats.org/officeDocument/2006/relationships" xmlns:p="http://schemas.openxmlformats.org/presentationml/2006/main">
+  <p:cSld>
+    <p:spTree>
+      <p:nvGrpSpPr>
+        <p:cNvPr id="1" name=""/>
+        <p:cNvGrpSpPr/>
+        <p:nvPr/>
+      </p:nvGrpSpPr>
+      <p:grpSpPr>
+        <a:xfrm>
+          <a:off x="0" y="0"/>
+          <a:ext cx="0" cy="0"/>
+          <a:chOff x="0" y="0"/>
+          <a:chExt cx="0" cy="0"/>
+        </a:xfrm>
+      </p:grpSpPr>
+      <p:sp>
+        <p:nvSpPr>
+          <p:cNvPr id="2" name="Title 1">
+            <a:extLst>
+              <a:ext uri="{FF2B5EF4-FFF2-40B4-BE49-F238E27FC236}">
+                <a16:creationId xmlns:a16="http://schemas.microsoft.com/office/drawing/2014/main" id="{972486FC-8DDC-4C84-B6A8-725DE7A8E599}"/>
+              </a:ext>
+            </a:extLst>
+          </p:cNvPr>
+          <p:cNvSpPr>
+            <a:spLocks noGrp="1"/>
+          </p:cNvSpPr>
+          <p:nvPr>
+            <p:ph type="title"/>
+          </p:nvPr>
+        </p:nvSpPr>
+        <p:spPr/>
+        <p:txBody>
+          <a:bodyPr/>
+          <a:lstStyle/>
+          <a:p>
+            <a:r>
+              <a:rPr lang="en-US" dirty="0"/>
+              <a:t>Anatomy of a SQL Query</a:t>
+            </a:r>
+          </a:p>
+        </p:txBody>
+      </p:sp>
+      <p:sp>
+        <p:nvSpPr>
+          <p:cNvPr id="3" name="Content Placeholder 2">
+            <a:extLst>
+              <a:ext uri="{FF2B5EF4-FFF2-40B4-BE49-F238E27FC236}">
+                <a16:creationId xmlns:a16="http://schemas.microsoft.com/office/drawing/2014/main" id="{1DB1CE26-418F-45FC-AA99-0245893AD75B}"/>
+              </a:ext>
+            </a:extLst>
+          </p:cNvPr>
+          <p:cNvSpPr>
+            <a:spLocks noGrp="1"/>
+          </p:cNvSpPr>
+          <p:nvPr>
+            <p:ph idx="1"/>
+          </p:nvPr>
+        </p:nvSpPr>
+        <p:spPr>
+          <a:xfrm>
+            <a:off x="3690511" y="1561393"/>
+            <a:ext cx="3779256" cy="4125494"/>
+          </a:xfrm>
+        </p:spPr>
+        <p:txBody>
+          <a:bodyPr>
+            <a:noAutofit/>
+          </a:bodyPr>
+          <a:lstStyle/>
+          <a:p>
+            <a:pPr marL="0" indent="0">
+              <a:buNone/>
+            </a:pPr>
+            <a:r>
+              <a:rPr lang="en-US" dirty="0">
+                <a:solidFill>
+                  <a:schemeClr val="tx1">
+                    <a:lumMod val="65000"/>
+                    <a:lumOff val="35000"/>
+                  </a:schemeClr>
+                </a:solidFill>
+              </a:rPr>
+              <a:t>SELECT </a:t>
+            </a:r>
+          </a:p>
+          <a:p>
+            <a:pPr marL="0" indent="0">
+              <a:buNone/>
+            </a:pPr>
+            <a:r>
+              <a:rPr lang="en-US" dirty="0">
+                <a:solidFill>
+                  <a:schemeClr val="tx1">
+                    <a:lumMod val="65000"/>
+                    <a:lumOff val="35000"/>
+                  </a:schemeClr>
+                </a:solidFill>
+              </a:rPr>
+              <a:t>	COLUMN_1, SUM(COLUMN_2)</a:t>
+            </a:r>
+          </a:p>
+          <a:p>
+            <a:pPr marL="0" indent="0">
+              <a:buNone/>
+            </a:pPr>
+            <a:r>
+              <a:rPr lang="en-US" dirty="0">
+                <a:solidFill>
+                  <a:schemeClr val="tx1">
+                    <a:lumMod val="65000"/>
+                    <a:lumOff val="35000"/>
+                  </a:schemeClr>
+                </a:solidFill>
+              </a:rPr>
+              <a:t>FROM</a:t>
+            </a:r>
+          </a:p>
+          <a:p>
+            <a:pPr marL="0" indent="0">
+              <a:buNone/>
+            </a:pPr>
+            <a:r>
+              <a:rPr lang="en-US" dirty="0">
+                <a:solidFill>
+                  <a:schemeClr val="tx1">
+                    <a:lumMod val="65000"/>
+                    <a:lumOff val="35000"/>
+                  </a:schemeClr>
+                </a:solidFill>
+              </a:rPr>
+              <a:t>	TABLE_NAME</a:t>
+            </a:r>
+          </a:p>
+          <a:p>
+            <a:pPr marL="0" indent="0">
+              <a:buNone/>
+            </a:pPr>
+            <a:r>
+              <a:rPr lang="en-US" dirty="0">
+                <a:solidFill>
+                  <a:schemeClr val="tx1">
+                    <a:lumMod val="65000"/>
+                    <a:lumOff val="35000"/>
+                  </a:schemeClr>
+                </a:solidFill>
+              </a:rPr>
+              <a:t>WHERE</a:t>
+            </a:r>
+          </a:p>
+          <a:p>
+            <a:pPr marL="0" indent="0">
+              <a:buNone/>
+            </a:pPr>
+            <a:r>
+              <a:rPr lang="en-US" dirty="0">
+                <a:solidFill>
+                  <a:schemeClr val="tx1">
+                    <a:lumMod val="65000"/>
+                    <a:lumOff val="35000"/>
+                  </a:schemeClr>
+                </a:solidFill>
+              </a:rPr>
+              <a:t>	COLUMN_1 = ‘VALUE’</a:t>
+            </a:r>
+          </a:p>
+          <a:p>
+            <a:pPr marL="0" indent="0">
+              <a:buNone/>
+            </a:pPr>
+            <a:r>
+              <a:rPr lang="en-US" dirty="0">
+                <a:solidFill>
+                  <a:schemeClr val="tx1">
+                    <a:lumMod val="65000"/>
+                    <a:lumOff val="35000"/>
+                  </a:schemeClr>
+                </a:solidFill>
+              </a:rPr>
+              <a:t>GROUP BY</a:t>
+            </a:r>
+          </a:p>
+          <a:p>
+            <a:pPr marL="0" indent="0">
+              <a:buNone/>
+            </a:pPr>
+            <a:r>
+              <a:rPr lang="en-US" dirty="0">
+                <a:solidFill>
+                  <a:schemeClr val="tx1">
+                    <a:lumMod val="65000"/>
+                    <a:lumOff val="35000"/>
+                  </a:schemeClr>
+                </a:solidFill>
+              </a:rPr>
+              <a:t>	COLUMN_1</a:t>
+            </a:r>
+          </a:p>
+          <a:p>
+            <a:pPr marL="0" indent="0">
+              <a:buNone/>
+            </a:pPr>
+            <a:r>
+              <a:rPr lang="en-US" dirty="0">
+                <a:solidFill>
+                  <a:schemeClr val="tx1">
+                    <a:lumMod val="65000"/>
+                    <a:lumOff val="35000"/>
+                  </a:schemeClr>
+                </a:solidFill>
+              </a:rPr>
+              <a:t>HAVING</a:t>
+            </a:r>
+          </a:p>
+          <a:p>
+            <a:pPr marL="0" indent="0">
+              <a:buNone/>
+            </a:pPr>
+            <a:r>
+              <a:rPr lang="en-US" dirty="0">
+                <a:solidFill>
+                  <a:schemeClr val="tx1">
+                    <a:lumMod val="65000"/>
+                    <a:lumOff val="35000"/>
+                  </a:schemeClr>
+                </a:solidFill>
+              </a:rPr>
+              <a:t>	SUM(COLUMN_2) &gt; 10</a:t>
+            </a:r>
+          </a:p>
+          <a:p>
+            <a:pPr marL="0" indent="0">
+              <a:buNone/>
+            </a:pPr>
+            <a:r>
+              <a:rPr lang="en-US" dirty="0">
+                <a:solidFill>
+                  <a:schemeClr val="tx1">
+                    <a:lumMod val="65000"/>
+                    <a:lumOff val="35000"/>
+                  </a:schemeClr>
+                </a:solidFill>
+              </a:rPr>
+              <a:t>ORDER BY </a:t>
+            </a:r>
+          </a:p>
+          <a:p>
+            <a:pPr marL="0" indent="0">
+              <a:buNone/>
+            </a:pPr>
+            <a:r>
+              <a:rPr lang="en-US" dirty="0">
+                <a:solidFill>
+                  <a:schemeClr val="tx1">
+                    <a:lumMod val="65000"/>
+                    <a:lumOff val="35000"/>
+                  </a:schemeClr>
+                </a:solidFill>
+              </a:rPr>
+              <a:t>	COLUMN_1;</a:t>
+            </a:r>
+          </a:p>
+        </p:txBody>
+      </p:sp>
+      <p:sp>
+        <p:nvSpPr>
+          <p:cNvPr id="6" name="Left Bracket 5">
+            <a:extLst>
+              <a:ext uri="{FF2B5EF4-FFF2-40B4-BE49-F238E27FC236}">
+                <a16:creationId xmlns:a16="http://schemas.microsoft.com/office/drawing/2014/main" id="{C2C4EF8B-EDE7-4522-9910-A8FCCEC5E27C}"/>
+              </a:ext>
+            </a:extLst>
+          </p:cNvPr>
+          <p:cNvSpPr/>
+          <p:nvPr/>
+        </p:nvSpPr>
+        <p:spPr>
+          <a:xfrm>
+            <a:off x="3574342" y="1614661"/>
+            <a:ext cx="167032" cy="648069"/>
+          </a:xfrm>
+          <a:prstGeom prst="leftBracket">
+            <a:avLst/>
+          </a:prstGeom>
+          <a:ln>
+            <a:solidFill>
+              <a:schemeClr val="tx1">
+                <a:lumMod val="65000"/>
+                <a:lumOff val="35000"/>
+              </a:schemeClr>
+            </a:solidFill>
+          </a:ln>
+        </p:spPr>
+        <p:style>
+          <a:lnRef idx="1">
+            <a:schemeClr val="dk1"/>
+          </a:lnRef>
+          <a:fillRef idx="0">
+            <a:schemeClr val="dk1"/>
+          </a:fillRef>
+          <a:effectRef idx="0">
+            <a:schemeClr val="dk1"/>
+          </a:effectRef>
+          <a:fontRef idx="minor">
+            <a:schemeClr val="tx1"/>
+          </a:fontRef>
+        </p:style>
+        <p:txBody>
+          <a:bodyPr rtlCol="0" anchor="ctr"/>
+          <a:lstStyle/>
+          <a:p>
+            <a:pPr algn="ctr"/>
+            <a:endParaRPr lang="en-US"/>
+          </a:p>
+        </p:txBody>
+      </p:sp>
+      <p:sp>
+        <p:nvSpPr>
+          <p:cNvPr id="7" name="Left Bracket 6">
+            <a:extLst>
+              <a:ext uri="{FF2B5EF4-FFF2-40B4-BE49-F238E27FC236}">
+                <a16:creationId xmlns:a16="http://schemas.microsoft.com/office/drawing/2014/main" id="{C3B3E72A-BA2F-434C-974E-1628EA24EC48}"/>
+              </a:ext>
+            </a:extLst>
+          </p:cNvPr>
+          <p:cNvSpPr/>
+          <p:nvPr/>
+        </p:nvSpPr>
+        <p:spPr>
+          <a:xfrm>
+            <a:off x="3541595" y="2397914"/>
+            <a:ext cx="167032" cy="648069"/>
+          </a:xfrm>
+          <a:prstGeom prst="leftBracket">
+            <a:avLst/>
+          </a:prstGeom>
+          <a:ln>
+            <a:solidFill>
+              <a:schemeClr val="tx1">
+                <a:lumMod val="65000"/>
+                <a:lumOff val="35000"/>
+              </a:schemeClr>
+            </a:solidFill>
+          </a:ln>
+        </p:spPr>
+        <p:style>
+          <a:lnRef idx="1">
+            <a:schemeClr val="dk1"/>
+          </a:lnRef>
+          <a:fillRef idx="0">
+            <a:schemeClr val="dk1"/>
+          </a:fillRef>
+          <a:effectRef idx="0">
+            <a:schemeClr val="dk1"/>
+          </a:effectRef>
+          <a:fontRef idx="minor">
+            <a:schemeClr val="tx1"/>
+          </a:fontRef>
+        </p:style>
+        <p:txBody>
+          <a:bodyPr rtlCol="0" anchor="ctr"/>
+          <a:lstStyle/>
+          <a:p>
+            <a:pPr algn="ctr"/>
+            <a:endParaRPr lang="en-US">
+              <a:solidFill>
+                <a:schemeClr val="bg2">
+                  <a:lumMod val="75000"/>
+                </a:schemeClr>
+              </a:solidFill>
+            </a:endParaRPr>
+          </a:p>
+        </p:txBody>
+      </p:sp>
+      <p:sp>
+        <p:nvSpPr>
+          <p:cNvPr id="8" name="Left Bracket 7">
+            <a:extLst>
+              <a:ext uri="{FF2B5EF4-FFF2-40B4-BE49-F238E27FC236}">
+                <a16:creationId xmlns:a16="http://schemas.microsoft.com/office/drawing/2014/main" id="{BF31ED30-C49B-497D-8E5D-85824CB01D97}"/>
+              </a:ext>
+            </a:extLst>
+          </p:cNvPr>
+          <p:cNvSpPr/>
+          <p:nvPr/>
+        </p:nvSpPr>
+        <p:spPr>
+          <a:xfrm>
+            <a:off x="3532357" y="3242233"/>
+            <a:ext cx="167032" cy="648069"/>
+          </a:xfrm>
+          <a:prstGeom prst="leftBracket">
+            <a:avLst/>
+          </a:prstGeom>
+          <a:ln>
+            <a:solidFill>
+              <a:schemeClr val="tx1">
+                <a:lumMod val="65000"/>
+                <a:lumOff val="35000"/>
+              </a:schemeClr>
+            </a:solidFill>
+          </a:ln>
+        </p:spPr>
+        <p:style>
+          <a:lnRef idx="1">
+            <a:schemeClr val="dk1"/>
+          </a:lnRef>
+          <a:fillRef idx="0">
+            <a:schemeClr val="dk1"/>
+          </a:fillRef>
+          <a:effectRef idx="0">
+            <a:schemeClr val="dk1"/>
+          </a:effectRef>
+          <a:fontRef idx="minor">
+            <a:schemeClr val="tx1"/>
+          </a:fontRef>
+        </p:style>
+        <p:txBody>
+          <a:bodyPr rtlCol="0" anchor="ctr"/>
+          <a:lstStyle/>
+          <a:p>
+            <a:pPr algn="ctr"/>
+            <a:endParaRPr lang="en-US"/>
+          </a:p>
+        </p:txBody>
+      </p:sp>
+      <p:sp>
+        <p:nvSpPr>
+          <p:cNvPr id="9" name="Left Bracket 8">
+            <a:extLst>
+              <a:ext uri="{FF2B5EF4-FFF2-40B4-BE49-F238E27FC236}">
+                <a16:creationId xmlns:a16="http://schemas.microsoft.com/office/drawing/2014/main" id="{7233C994-3419-4ADE-B7E4-92E06535E24A}"/>
+              </a:ext>
+            </a:extLst>
+          </p:cNvPr>
+          <p:cNvSpPr/>
+          <p:nvPr/>
+        </p:nvSpPr>
+        <p:spPr>
+          <a:xfrm>
+            <a:off x="3537947" y="4033824"/>
+            <a:ext cx="167032" cy="648069"/>
+          </a:xfrm>
+          <a:prstGeom prst="leftBracket">
+            <a:avLst/>
+          </a:prstGeom>
+          <a:ln>
+            <a:solidFill>
+              <a:schemeClr val="tx1">
+                <a:lumMod val="65000"/>
+                <a:lumOff val="35000"/>
+              </a:schemeClr>
+            </a:solidFill>
+          </a:ln>
+        </p:spPr>
+        <p:style>
+          <a:lnRef idx="1">
+            <a:schemeClr val="dk1"/>
+          </a:lnRef>
+          <a:fillRef idx="0">
+            <a:schemeClr val="dk1"/>
+          </a:fillRef>
+          <a:effectRef idx="0">
+            <a:schemeClr val="dk1"/>
+          </a:effectRef>
+          <a:fontRef idx="minor">
+            <a:schemeClr val="tx1"/>
+          </a:fontRef>
+        </p:style>
+        <p:txBody>
+          <a:bodyPr rtlCol="0" anchor="ctr"/>
+          <a:lstStyle/>
+          <a:p>
+            <a:pPr algn="ctr"/>
+            <a:endParaRPr lang="en-US"/>
+          </a:p>
+        </p:txBody>
+      </p:sp>
+      <p:sp>
+        <p:nvSpPr>
+          <p:cNvPr id="10" name="Left Bracket 9">
+            <a:extLst>
+              <a:ext uri="{FF2B5EF4-FFF2-40B4-BE49-F238E27FC236}">
+                <a16:creationId xmlns:a16="http://schemas.microsoft.com/office/drawing/2014/main" id="{6E939050-0517-45F6-B62E-7AD3AB8E2816}"/>
+              </a:ext>
+            </a:extLst>
+          </p:cNvPr>
+          <p:cNvSpPr/>
+          <p:nvPr/>
+        </p:nvSpPr>
+        <p:spPr>
+          <a:xfrm>
+            <a:off x="3532357" y="4808740"/>
+            <a:ext cx="167032" cy="648069"/>
+          </a:xfrm>
+          <a:prstGeom prst="leftBracket">
+            <a:avLst/>
+          </a:prstGeom>
+          <a:ln>
+            <a:solidFill>
+              <a:schemeClr val="tx1">
+                <a:lumMod val="65000"/>
+                <a:lumOff val="35000"/>
+              </a:schemeClr>
+            </a:solidFill>
+          </a:ln>
+        </p:spPr>
+        <p:style>
+          <a:lnRef idx="1">
+            <a:schemeClr val="dk1"/>
+          </a:lnRef>
+          <a:fillRef idx="0">
+            <a:schemeClr val="dk1"/>
+          </a:fillRef>
+          <a:effectRef idx="0">
+            <a:schemeClr val="dk1"/>
+          </a:effectRef>
+          <a:fontRef idx="minor">
+            <a:schemeClr val="tx1"/>
+          </a:fontRef>
+        </p:style>
+        <p:txBody>
+          <a:bodyPr rtlCol="0" anchor="ctr"/>
+          <a:lstStyle/>
+          <a:p>
+            <a:pPr algn="ctr"/>
+            <a:endParaRPr lang="en-US"/>
+          </a:p>
+        </p:txBody>
+      </p:sp>
+      <p:sp>
+        <p:nvSpPr>
+          <p:cNvPr id="18" name="Left Bracket 17">
+            <a:extLst>
+              <a:ext uri="{FF2B5EF4-FFF2-40B4-BE49-F238E27FC236}">
+                <a16:creationId xmlns:a16="http://schemas.microsoft.com/office/drawing/2014/main" id="{2BA460C3-76E2-49FC-9396-B306C58E83D4}"/>
+              </a:ext>
+            </a:extLst>
+          </p:cNvPr>
+          <p:cNvSpPr/>
+          <p:nvPr/>
+        </p:nvSpPr>
+        <p:spPr>
+          <a:xfrm>
+            <a:off x="3541235" y="5600331"/>
+            <a:ext cx="167032" cy="648069"/>
+          </a:xfrm>
+          <a:prstGeom prst="leftBracket">
+            <a:avLst/>
+          </a:prstGeom>
+          <a:ln>
+            <a:solidFill>
+              <a:schemeClr val="tx1">
+                <a:lumMod val="65000"/>
+                <a:lumOff val="35000"/>
+              </a:schemeClr>
+            </a:solidFill>
+          </a:ln>
+        </p:spPr>
+        <p:style>
+          <a:lnRef idx="1">
+            <a:schemeClr val="dk1"/>
+          </a:lnRef>
+          <a:fillRef idx="0">
+            <a:schemeClr val="dk1"/>
+          </a:fillRef>
+          <a:effectRef idx="0">
+            <a:schemeClr val="dk1"/>
+          </a:effectRef>
+          <a:fontRef idx="minor">
+            <a:schemeClr val="tx1"/>
+          </a:fontRef>
+        </p:style>
+        <p:txBody>
+          <a:bodyPr rtlCol="0" anchor="ctr"/>
+          <a:lstStyle/>
+          <a:p>
+            <a:pPr algn="ctr"/>
+            <a:endParaRPr lang="en-US"/>
+          </a:p>
+        </p:txBody>
+      </p:sp>
+      <p:cxnSp>
+        <p:nvCxnSpPr>
+          <p:cNvPr id="20" name="Straight Connector 19">
+            <a:extLst>
+              <a:ext uri="{FF2B5EF4-FFF2-40B4-BE49-F238E27FC236}">
+                <a16:creationId xmlns:a16="http://schemas.microsoft.com/office/drawing/2014/main" id="{FAFD74AB-6234-471F-9571-50EA7EE217B2}"/>
+              </a:ext>
+            </a:extLst>
+          </p:cNvPr>
+          <p:cNvCxnSpPr>
+            <a:cxnSpLocks/>
+          </p:cNvCxnSpPr>
+          <p:nvPr/>
+        </p:nvCxnSpPr>
+        <p:spPr>
+          <a:xfrm>
+            <a:off x="2129684" y="1938695"/>
+            <a:ext cx="1426902" cy="1"/>
+          </a:xfrm>
+          <a:prstGeom prst="line">
+            <a:avLst/>
+          </a:prstGeom>
+          <a:ln>
+            <a:solidFill>
+              <a:schemeClr val="tx1">
+                <a:lumMod val="65000"/>
+                <a:lumOff val="35000"/>
+              </a:schemeClr>
+            </a:solidFill>
+          </a:ln>
+        </p:spPr>
+        <p:style>
+          <a:lnRef idx="1">
+            <a:schemeClr val="accent1"/>
+          </a:lnRef>
+          <a:fillRef idx="0">
+            <a:schemeClr val="accent1"/>
+          </a:fillRef>
+          <a:effectRef idx="0">
+            <a:schemeClr val="accent1"/>
+          </a:effectRef>
+          <a:fontRef idx="minor">
+            <a:schemeClr val="tx1"/>
+          </a:fontRef>
+        </p:style>
+      </p:cxnSp>
+      <p:cxnSp>
+        <p:nvCxnSpPr>
+          <p:cNvPr id="21" name="Straight Connector 20">
+            <a:extLst>
+              <a:ext uri="{FF2B5EF4-FFF2-40B4-BE49-F238E27FC236}">
+                <a16:creationId xmlns:a16="http://schemas.microsoft.com/office/drawing/2014/main" id="{9BDBD680-2217-4232-84CB-4F651B00CFD9}"/>
+              </a:ext>
+            </a:extLst>
+          </p:cNvPr>
+          <p:cNvCxnSpPr/>
+          <p:nvPr/>
+        </p:nvCxnSpPr>
+        <p:spPr>
+          <a:xfrm>
+            <a:off x="2109877" y="2721947"/>
+            <a:ext cx="1426902" cy="1"/>
+          </a:xfrm>
+          <a:prstGeom prst="line">
+            <a:avLst/>
+          </a:prstGeom>
+          <a:ln>
+            <a:solidFill>
+              <a:schemeClr val="tx1">
+                <a:lumMod val="65000"/>
+                <a:lumOff val="35000"/>
+              </a:schemeClr>
+            </a:solidFill>
+          </a:ln>
+        </p:spPr>
+        <p:style>
+          <a:lnRef idx="1">
+            <a:schemeClr val="accent1"/>
+          </a:lnRef>
+          <a:fillRef idx="0">
+            <a:schemeClr val="accent1"/>
+          </a:fillRef>
+          <a:effectRef idx="0">
+            <a:schemeClr val="accent1"/>
+          </a:effectRef>
+          <a:fontRef idx="minor">
+            <a:schemeClr val="tx1"/>
+          </a:fontRef>
+        </p:style>
+      </p:cxnSp>
+      <p:cxnSp>
+        <p:nvCxnSpPr>
+          <p:cNvPr id="22" name="Straight Connector 21">
+            <a:extLst>
+              <a:ext uri="{FF2B5EF4-FFF2-40B4-BE49-F238E27FC236}">
+                <a16:creationId xmlns:a16="http://schemas.microsoft.com/office/drawing/2014/main" id="{96C135C3-1024-4BAB-B0D3-1C2F244A7D1B}"/>
+              </a:ext>
+            </a:extLst>
+          </p:cNvPr>
+          <p:cNvCxnSpPr/>
+          <p:nvPr/>
+        </p:nvCxnSpPr>
+        <p:spPr>
+          <a:xfrm>
+            <a:off x="2105455" y="3558960"/>
+            <a:ext cx="1426902" cy="1"/>
+          </a:xfrm>
+          <a:prstGeom prst="line">
+            <a:avLst/>
+          </a:prstGeom>
+          <a:ln>
+            <a:solidFill>
+              <a:schemeClr val="tx1">
+                <a:lumMod val="65000"/>
+                <a:lumOff val="35000"/>
+              </a:schemeClr>
+            </a:solidFill>
+          </a:ln>
+        </p:spPr>
+        <p:style>
+          <a:lnRef idx="1">
+            <a:schemeClr val="accent1"/>
+          </a:lnRef>
+          <a:fillRef idx="0">
+            <a:schemeClr val="accent1"/>
+          </a:fillRef>
+          <a:effectRef idx="0">
+            <a:schemeClr val="accent1"/>
+          </a:effectRef>
+          <a:fontRef idx="minor">
+            <a:schemeClr val="tx1"/>
+          </a:fontRef>
+        </p:style>
+      </p:cxnSp>
+      <p:cxnSp>
+        <p:nvCxnSpPr>
+          <p:cNvPr id="23" name="Straight Connector 22">
+            <a:extLst>
+              <a:ext uri="{FF2B5EF4-FFF2-40B4-BE49-F238E27FC236}">
+                <a16:creationId xmlns:a16="http://schemas.microsoft.com/office/drawing/2014/main" id="{1F08DDFA-3D46-4173-B4AE-3E98066A5165}"/>
+              </a:ext>
+            </a:extLst>
+          </p:cNvPr>
+          <p:cNvCxnSpPr/>
+          <p:nvPr/>
+        </p:nvCxnSpPr>
+        <p:spPr>
+          <a:xfrm>
+            <a:off x="2105455" y="4366434"/>
+            <a:ext cx="1426902" cy="1"/>
+          </a:xfrm>
+          <a:prstGeom prst="line">
+            <a:avLst/>
+          </a:prstGeom>
+          <a:ln>
+            <a:solidFill>
+              <a:schemeClr val="tx1">
+                <a:lumMod val="65000"/>
+                <a:lumOff val="35000"/>
+              </a:schemeClr>
+            </a:solidFill>
+          </a:ln>
+        </p:spPr>
+        <p:style>
+          <a:lnRef idx="1">
+            <a:schemeClr val="accent1"/>
+          </a:lnRef>
+          <a:fillRef idx="0">
+            <a:schemeClr val="accent1"/>
+          </a:fillRef>
+          <a:effectRef idx="0">
+            <a:schemeClr val="accent1"/>
+          </a:effectRef>
+          <a:fontRef idx="minor">
+            <a:schemeClr val="tx1"/>
+          </a:fontRef>
+        </p:style>
+      </p:cxnSp>
+      <p:cxnSp>
+        <p:nvCxnSpPr>
+          <p:cNvPr id="24" name="Straight Connector 23">
+            <a:extLst>
+              <a:ext uri="{FF2B5EF4-FFF2-40B4-BE49-F238E27FC236}">
+                <a16:creationId xmlns:a16="http://schemas.microsoft.com/office/drawing/2014/main" id="{407B7BFE-0E69-45B4-A9B7-A3C492116E6F}"/>
+              </a:ext>
+            </a:extLst>
+          </p:cNvPr>
+          <p:cNvCxnSpPr/>
+          <p:nvPr/>
+        </p:nvCxnSpPr>
+        <p:spPr>
+          <a:xfrm>
+            <a:off x="2103874" y="5128782"/>
+            <a:ext cx="1426902" cy="1"/>
+          </a:xfrm>
+          <a:prstGeom prst="line">
+            <a:avLst/>
+          </a:prstGeom>
+          <a:ln>
+            <a:solidFill>
+              <a:schemeClr val="tx1">
+                <a:lumMod val="65000"/>
+                <a:lumOff val="35000"/>
+              </a:schemeClr>
+            </a:solidFill>
+          </a:ln>
+        </p:spPr>
+        <p:style>
+          <a:lnRef idx="1">
+            <a:schemeClr val="accent1"/>
+          </a:lnRef>
+          <a:fillRef idx="0">
+            <a:schemeClr val="accent1"/>
+          </a:fillRef>
+          <a:effectRef idx="0">
+            <a:schemeClr val="accent1"/>
+          </a:effectRef>
+          <a:fontRef idx="minor">
+            <a:schemeClr val="tx1"/>
+          </a:fontRef>
+        </p:style>
+      </p:cxnSp>
+      <p:cxnSp>
+        <p:nvCxnSpPr>
+          <p:cNvPr id="25" name="Straight Connector 24">
+            <a:extLst>
+              <a:ext uri="{FF2B5EF4-FFF2-40B4-BE49-F238E27FC236}">
+                <a16:creationId xmlns:a16="http://schemas.microsoft.com/office/drawing/2014/main" id="{8311448E-339D-4782-AAB9-72F7C56B6317}"/>
+              </a:ext>
+            </a:extLst>
+          </p:cNvPr>
+          <p:cNvCxnSpPr/>
+          <p:nvPr/>
+        </p:nvCxnSpPr>
+        <p:spPr>
+          <a:xfrm>
+            <a:off x="2103874" y="5887138"/>
+            <a:ext cx="1426902" cy="1"/>
+          </a:xfrm>
+          <a:prstGeom prst="line">
+            <a:avLst/>
+          </a:prstGeom>
+          <a:ln>
+            <a:solidFill>
+              <a:schemeClr val="tx1">
+                <a:lumMod val="65000"/>
+                <a:lumOff val="35000"/>
+              </a:schemeClr>
+            </a:solidFill>
+          </a:ln>
+        </p:spPr>
+        <p:style>
+          <a:lnRef idx="1">
+            <a:schemeClr val="accent1"/>
+          </a:lnRef>
+          <a:fillRef idx="0">
+            <a:schemeClr val="accent1"/>
+          </a:fillRef>
+          <a:effectRef idx="0">
+            <a:schemeClr val="accent1"/>
+          </a:effectRef>
+          <a:fontRef idx="minor">
+            <a:schemeClr val="tx1"/>
+          </a:fontRef>
+        </p:style>
+      </p:cxnSp>
+      <p:sp>
+        <p:nvSpPr>
+          <p:cNvPr id="26" name="TextBox 25">
+            <a:extLst>
+              <a:ext uri="{FF2B5EF4-FFF2-40B4-BE49-F238E27FC236}">
+                <a16:creationId xmlns:a16="http://schemas.microsoft.com/office/drawing/2014/main" id="{D3B56F93-DFC1-4283-A811-3DC62E9270F6}"/>
+              </a:ext>
+            </a:extLst>
+          </p:cNvPr>
+          <p:cNvSpPr txBox="1"/>
+          <p:nvPr/>
+        </p:nvSpPr>
+        <p:spPr>
+          <a:xfrm>
+            <a:off x="588547" y="1733375"/>
+            <a:ext cx="1646910" cy="369332"/>
+          </a:xfrm>
+          <a:prstGeom prst="rect">
+            <a:avLst/>
+          </a:prstGeom>
+          <a:noFill/>
+        </p:spPr>
+        <p:txBody>
+          <a:bodyPr wrap="square" rtlCol="0">
+            <a:spAutoFit/>
+          </a:bodyPr>
+          <a:lstStyle/>
+          <a:p>
+            <a:r>
+              <a:rPr lang="en-US" dirty="0"/>
+              <a:t>Select Clause</a:t>
+            </a:r>
+          </a:p>
+        </p:txBody>
+      </p:sp>
+      <p:sp>
+        <p:nvSpPr>
+          <p:cNvPr id="27" name="TextBox 26">
+            <a:extLst>
+              <a:ext uri="{FF2B5EF4-FFF2-40B4-BE49-F238E27FC236}">
+                <a16:creationId xmlns:a16="http://schemas.microsoft.com/office/drawing/2014/main" id="{0B1510FE-0276-40B7-8BBE-7F34E2A8B73B}"/>
+              </a:ext>
+            </a:extLst>
+          </p:cNvPr>
+          <p:cNvSpPr txBox="1"/>
+          <p:nvPr/>
+        </p:nvSpPr>
+        <p:spPr>
+          <a:xfrm>
+            <a:off x="482774" y="2532682"/>
+            <a:ext cx="1646910" cy="369332"/>
+          </a:xfrm>
+          <a:prstGeom prst="rect">
+            <a:avLst/>
+          </a:prstGeom>
+          <a:noFill/>
+        </p:spPr>
+        <p:txBody>
+          <a:bodyPr wrap="square" rtlCol="0">
+            <a:spAutoFit/>
+          </a:bodyPr>
+          <a:lstStyle/>
+          <a:p>
+            <a:pPr algn="r"/>
+            <a:r>
+              <a:rPr lang="en-US" dirty="0"/>
+              <a:t>From Clause</a:t>
+            </a:r>
+          </a:p>
+        </p:txBody>
+      </p:sp>
+      <p:sp>
+        <p:nvSpPr>
+          <p:cNvPr id="28" name="TextBox 27">
+            <a:extLst>
+              <a:ext uri="{FF2B5EF4-FFF2-40B4-BE49-F238E27FC236}">
+                <a16:creationId xmlns:a16="http://schemas.microsoft.com/office/drawing/2014/main" id="{B39D387D-CAA2-4DB1-B26F-C9820FFFC6AB}"/>
+              </a:ext>
+            </a:extLst>
+          </p:cNvPr>
+          <p:cNvSpPr txBox="1"/>
+          <p:nvPr/>
+        </p:nvSpPr>
+        <p:spPr>
+          <a:xfrm>
+            <a:off x="492121" y="3344755"/>
+            <a:ext cx="1646910" cy="369332"/>
+          </a:xfrm>
+          <a:prstGeom prst="rect">
+            <a:avLst/>
+          </a:prstGeom>
+          <a:noFill/>
+        </p:spPr>
+        <p:txBody>
+          <a:bodyPr wrap="square" rtlCol="0">
+            <a:spAutoFit/>
+          </a:bodyPr>
+          <a:lstStyle/>
+          <a:p>
+            <a:pPr algn="r"/>
+            <a:r>
+              <a:rPr lang="en-US" dirty="0"/>
+              <a:t>Where Clause</a:t>
+            </a:r>
+          </a:p>
+        </p:txBody>
+      </p:sp>
+      <p:sp>
+        <p:nvSpPr>
+          <p:cNvPr id="29" name="TextBox 28">
+            <a:extLst>
+              <a:ext uri="{FF2B5EF4-FFF2-40B4-BE49-F238E27FC236}">
+                <a16:creationId xmlns:a16="http://schemas.microsoft.com/office/drawing/2014/main" id="{762E3EC0-AC02-4B61-95A2-A78064B2DCE4}"/>
+              </a:ext>
+            </a:extLst>
+          </p:cNvPr>
+          <p:cNvSpPr txBox="1"/>
+          <p:nvPr/>
+        </p:nvSpPr>
+        <p:spPr>
+          <a:xfrm>
+            <a:off x="286707" y="4156828"/>
+            <a:ext cx="1971120" cy="369332"/>
+          </a:xfrm>
+          <a:prstGeom prst="rect">
+            <a:avLst/>
+          </a:prstGeom>
+          <a:noFill/>
+        </p:spPr>
+        <p:txBody>
+          <a:bodyPr wrap="square" rtlCol="0">
+            <a:spAutoFit/>
+          </a:bodyPr>
+          <a:lstStyle/>
+          <a:p>
+            <a:r>
+              <a:rPr lang="en-US" dirty="0"/>
+              <a:t>Group By Clause</a:t>
+            </a:r>
+          </a:p>
+        </p:txBody>
+      </p:sp>
+      <p:sp>
+        <p:nvSpPr>
+          <p:cNvPr id="30" name="TextBox 29">
+            <a:extLst>
+              <a:ext uri="{FF2B5EF4-FFF2-40B4-BE49-F238E27FC236}">
+                <a16:creationId xmlns:a16="http://schemas.microsoft.com/office/drawing/2014/main" id="{A39B437F-D754-4A96-8D81-383B50C04DF0}"/>
+              </a:ext>
+            </a:extLst>
+          </p:cNvPr>
+          <p:cNvSpPr txBox="1"/>
+          <p:nvPr/>
+        </p:nvSpPr>
+        <p:spPr>
+          <a:xfrm>
+            <a:off x="492121" y="4947288"/>
+            <a:ext cx="1646910" cy="369332"/>
+          </a:xfrm>
+          <a:prstGeom prst="rect">
+            <a:avLst/>
+          </a:prstGeom>
+          <a:noFill/>
+        </p:spPr>
+        <p:txBody>
+          <a:bodyPr wrap="square" rtlCol="0">
+            <a:spAutoFit/>
+          </a:bodyPr>
+          <a:lstStyle/>
+          <a:p>
+            <a:r>
+              <a:rPr lang="en-US" dirty="0"/>
+              <a:t>Having Clause</a:t>
+            </a:r>
+          </a:p>
+        </p:txBody>
+      </p:sp>
+      <p:sp>
+        <p:nvSpPr>
+          <p:cNvPr id="31" name="TextBox 30">
+            <a:extLst>
+              <a:ext uri="{FF2B5EF4-FFF2-40B4-BE49-F238E27FC236}">
+                <a16:creationId xmlns:a16="http://schemas.microsoft.com/office/drawing/2014/main" id="{6D08B73B-59BD-4FEC-ADFE-D4950A497448}"/>
+              </a:ext>
+            </a:extLst>
+          </p:cNvPr>
+          <p:cNvSpPr txBox="1"/>
+          <p:nvPr/>
+        </p:nvSpPr>
+        <p:spPr>
+          <a:xfrm>
+            <a:off x="286707" y="5702472"/>
+            <a:ext cx="1971120" cy="369332"/>
+          </a:xfrm>
+          <a:prstGeom prst="rect">
+            <a:avLst/>
+          </a:prstGeom>
+          <a:noFill/>
+        </p:spPr>
+        <p:txBody>
+          <a:bodyPr wrap="square" rtlCol="0">
+            <a:spAutoFit/>
+          </a:bodyPr>
+          <a:lstStyle/>
+          <a:p>
+            <a:r>
+              <a:rPr lang="en-US" dirty="0"/>
+              <a:t>Order By Clause</a:t>
+            </a:r>
+          </a:p>
+        </p:txBody>
+      </p:sp>
+    </p:spTree>
+    <p:extLst>
+      <p:ext uri="{BB962C8B-B14F-4D97-AF65-F5344CB8AC3E}">
+        <p14:creationId xmlns:p14="http://schemas.microsoft.com/office/powerpoint/2010/main" val="2309531110"/>
+      </p:ext>
+    </p:extLst>
+  </p:cSld>
+  <p:clrMapOvr>
+    <a:masterClrMapping/>
+  </p:clrMapOvr>
+</p:sld>
+</file>
+
+<file path=ppt/slides/slide57.xml><?xml version="1.0" encoding="utf-8"?>
+<p:sld xmlns:a="http://schemas.openxmlformats.org/drawingml/2006/main" xmlns:r="http://schemas.openxmlformats.org/officeDocument/2006/relationships" xmlns:p="http://schemas.openxmlformats.org/presentationml/2006/main">
+  <p:cSld>
+    <p:spTree>
+      <p:nvGrpSpPr>
+        <p:cNvPr id="1" name=""/>
+        <p:cNvGrpSpPr/>
+        <p:nvPr/>
+      </p:nvGrpSpPr>
+      <p:grpSpPr>
+        <a:xfrm>
+          <a:off x="0" y="0"/>
+          <a:ext cx="0" cy="0"/>
+          <a:chOff x="0" y="0"/>
+          <a:chExt cx="0" cy="0"/>
+        </a:xfrm>
+      </p:grpSpPr>
+      <p:sp>
+        <p:nvSpPr>
+          <p:cNvPr id="2" name="Title 1">
+            <a:extLst>
+              <a:ext uri="{FF2B5EF4-FFF2-40B4-BE49-F238E27FC236}">
+                <a16:creationId xmlns:a16="http://schemas.microsoft.com/office/drawing/2014/main" id="{972486FC-8DDC-4C84-B6A8-725DE7A8E599}"/>
+              </a:ext>
+            </a:extLst>
+          </p:cNvPr>
+          <p:cNvSpPr>
+            <a:spLocks noGrp="1"/>
+          </p:cNvSpPr>
+          <p:nvPr>
+            <p:ph type="title"/>
+          </p:nvPr>
+        </p:nvSpPr>
+        <p:spPr/>
+        <p:txBody>
+          <a:bodyPr/>
+          <a:lstStyle/>
+          <a:p>
+            <a:r>
+              <a:rPr lang="en-US" dirty="0"/>
+              <a:t>SQL Syntax Best Practices</a:t>
+            </a:r>
+          </a:p>
+        </p:txBody>
+      </p:sp>
+      <p:sp>
+        <p:nvSpPr>
+          <p:cNvPr id="3" name="Content Placeholder 2">
+            <a:extLst>
+              <a:ext uri="{FF2B5EF4-FFF2-40B4-BE49-F238E27FC236}">
+                <a16:creationId xmlns:a16="http://schemas.microsoft.com/office/drawing/2014/main" id="{1DB1CE26-418F-45FC-AA99-0245893AD75B}"/>
+              </a:ext>
+            </a:extLst>
+          </p:cNvPr>
+          <p:cNvSpPr>
+            <a:spLocks noGrp="1"/>
+          </p:cNvSpPr>
+          <p:nvPr>
+            <p:ph idx="1"/>
+          </p:nvPr>
+        </p:nvSpPr>
+        <p:spPr>
+          <a:xfrm>
+            <a:off x="3691068" y="1138924"/>
+            <a:ext cx="3779256" cy="4125494"/>
+          </a:xfrm>
+        </p:spPr>
+        <p:txBody>
+          <a:bodyPr>
+            <a:noAutofit/>
+          </a:bodyPr>
+          <a:lstStyle/>
+          <a:p>
+            <a:pPr marL="0" indent="0">
+              <a:buNone/>
+            </a:pPr>
+            <a:r>
+              <a:rPr lang="en-US" dirty="0">
+                <a:solidFill>
+                  <a:schemeClr val="tx1">
+                    <a:lumMod val="65000"/>
+                    <a:lumOff val="35000"/>
+                  </a:schemeClr>
+                </a:solidFill>
+              </a:rPr>
+              <a:t>SELECT </a:t>
+            </a:r>
+          </a:p>
+          <a:p>
+            <a:pPr marL="0" indent="0">
+              <a:buNone/>
+            </a:pPr>
+            <a:r>
+              <a:rPr lang="en-US" dirty="0">
+                <a:solidFill>
+                  <a:schemeClr val="tx1">
+                    <a:lumMod val="65000"/>
+                    <a:lumOff val="35000"/>
+                  </a:schemeClr>
+                </a:solidFill>
+              </a:rPr>
+              <a:t>	COLUMN_1</a:t>
+            </a:r>
+          </a:p>
+          <a:p>
+            <a:pPr marL="0" indent="0">
+              <a:buNone/>
+            </a:pPr>
+            <a:r>
+              <a:rPr lang="en-US" dirty="0">
+                <a:solidFill>
+                  <a:schemeClr val="tx1">
+                    <a:lumMod val="65000"/>
+                    <a:lumOff val="35000"/>
+                  </a:schemeClr>
+                </a:solidFill>
+              </a:rPr>
+              <a:t>	, SUM(COLUMN_2)</a:t>
+            </a:r>
+          </a:p>
+          <a:p>
+            <a:pPr marL="0" indent="0">
+              <a:buNone/>
+            </a:pPr>
+            <a:r>
+              <a:rPr lang="en-US" dirty="0">
+                <a:solidFill>
+                  <a:schemeClr val="tx1">
+                    <a:lumMod val="65000"/>
+                    <a:lumOff val="35000"/>
+                  </a:schemeClr>
+                </a:solidFill>
+              </a:rPr>
+              <a:t>FROM</a:t>
+            </a:r>
+          </a:p>
+          <a:p>
+            <a:pPr marL="0" indent="0">
+              <a:buNone/>
+            </a:pPr>
+            <a:r>
+              <a:rPr lang="en-US" dirty="0">
+                <a:solidFill>
+                  <a:schemeClr val="tx1">
+                    <a:lumMod val="65000"/>
+                    <a:lumOff val="35000"/>
+                  </a:schemeClr>
+                </a:solidFill>
+              </a:rPr>
+              <a:t>	TABLE_NAME</a:t>
+            </a:r>
+          </a:p>
+          <a:p>
+            <a:pPr marL="0" indent="0">
+              <a:buNone/>
+            </a:pPr>
+            <a:r>
+              <a:rPr lang="en-US" dirty="0">
+                <a:solidFill>
+                  <a:schemeClr val="tx1">
+                    <a:lumMod val="65000"/>
+                    <a:lumOff val="35000"/>
+                  </a:schemeClr>
+                </a:solidFill>
+              </a:rPr>
+              <a:t>WHERE</a:t>
+            </a:r>
+          </a:p>
+          <a:p>
+            <a:pPr marL="0" indent="0">
+              <a:buNone/>
+            </a:pPr>
+            <a:r>
+              <a:rPr lang="en-US" dirty="0">
+                <a:solidFill>
+                  <a:schemeClr val="tx1">
+                    <a:lumMod val="65000"/>
+                    <a:lumOff val="35000"/>
+                  </a:schemeClr>
+                </a:solidFill>
+              </a:rPr>
+              <a:t>	COLUMN_1 = ‘VALUE’</a:t>
+            </a:r>
+          </a:p>
+          <a:p>
+            <a:pPr marL="0" indent="0">
+              <a:buNone/>
+            </a:pPr>
+            <a:r>
+              <a:rPr lang="en-US" dirty="0">
+                <a:solidFill>
+                  <a:schemeClr val="tx1">
+                    <a:lumMod val="65000"/>
+                    <a:lumOff val="35000"/>
+                  </a:schemeClr>
+                </a:solidFill>
+              </a:rPr>
+              <a:t>	-- Filter data here</a:t>
+            </a:r>
+          </a:p>
+          <a:p>
+            <a:pPr marL="0" indent="0">
+              <a:buNone/>
+            </a:pPr>
+            <a:r>
+              <a:rPr lang="en-US" dirty="0">
+                <a:solidFill>
+                  <a:schemeClr val="tx1">
+                    <a:lumMod val="65000"/>
+                    <a:lumOff val="35000"/>
+                  </a:schemeClr>
+                </a:solidFill>
+              </a:rPr>
+              <a:t>GROUP BY</a:t>
+            </a:r>
+          </a:p>
+          <a:p>
+            <a:pPr marL="0" indent="0">
+              <a:buNone/>
+            </a:pPr>
+            <a:r>
+              <a:rPr lang="en-US" dirty="0">
+                <a:solidFill>
+                  <a:schemeClr val="tx1">
+                    <a:lumMod val="65000"/>
+                    <a:lumOff val="35000"/>
+                  </a:schemeClr>
+                </a:solidFill>
+              </a:rPr>
+              <a:t>	COLUMN_1</a:t>
+            </a:r>
+          </a:p>
+          <a:p>
+            <a:pPr marL="0" indent="0">
+              <a:buNone/>
+            </a:pPr>
+            <a:r>
+              <a:rPr lang="en-US" dirty="0">
+                <a:solidFill>
+                  <a:schemeClr val="tx1">
+                    <a:lumMod val="65000"/>
+                    <a:lumOff val="35000"/>
+                  </a:schemeClr>
+                </a:solidFill>
+              </a:rPr>
+              <a:t>HAVING</a:t>
+            </a:r>
+          </a:p>
+          <a:p>
+            <a:pPr marL="0" indent="0">
+              <a:buNone/>
+            </a:pPr>
+            <a:r>
+              <a:rPr lang="en-US" dirty="0">
+                <a:solidFill>
+                  <a:schemeClr val="tx1">
+                    <a:lumMod val="65000"/>
+                    <a:lumOff val="35000"/>
+                  </a:schemeClr>
+                </a:solidFill>
+              </a:rPr>
+              <a:t>	SUM(COLUMN_2) &gt; 10</a:t>
+            </a:r>
+          </a:p>
+          <a:p>
+            <a:pPr marL="0" indent="0">
+              <a:buNone/>
+            </a:pPr>
+            <a:r>
+              <a:rPr lang="en-US" dirty="0">
+                <a:solidFill>
+                  <a:schemeClr val="tx1">
+                    <a:lumMod val="65000"/>
+                    <a:lumOff val="35000"/>
+                  </a:schemeClr>
+                </a:solidFill>
+              </a:rPr>
+              <a:t>ORDER BY </a:t>
+            </a:r>
+          </a:p>
+          <a:p>
+            <a:pPr marL="0" indent="0">
+              <a:buNone/>
+            </a:pPr>
+            <a:r>
+              <a:rPr lang="en-US" dirty="0">
+                <a:solidFill>
+                  <a:schemeClr val="tx1">
+                    <a:lumMod val="65000"/>
+                    <a:lumOff val="35000"/>
+                  </a:schemeClr>
+                </a:solidFill>
+              </a:rPr>
+              <a:t>	COLUMN_1;</a:t>
+            </a:r>
+          </a:p>
+        </p:txBody>
+      </p:sp>
+      <p:sp>
+        <p:nvSpPr>
+          <p:cNvPr id="4" name="TextBox 3">
+            <a:extLst>
+              <a:ext uri="{FF2B5EF4-FFF2-40B4-BE49-F238E27FC236}">
+                <a16:creationId xmlns:a16="http://schemas.microsoft.com/office/drawing/2014/main" id="{D2A7C844-6DBB-4E5B-A0B8-F0802DEF6213}"/>
+              </a:ext>
+            </a:extLst>
+          </p:cNvPr>
+          <p:cNvSpPr txBox="1"/>
+          <p:nvPr/>
+        </p:nvSpPr>
+        <p:spPr>
+          <a:xfrm>
+            <a:off x="258942" y="1433509"/>
+            <a:ext cx="2770061" cy="1938992"/>
+          </a:xfrm>
+          <a:prstGeom prst="rect">
+            <a:avLst/>
+          </a:prstGeom>
+        </p:spPr>
+        <p:style>
+          <a:lnRef idx="2">
+            <a:schemeClr val="dk1"/>
+          </a:lnRef>
+          <a:fillRef idx="1">
+            <a:schemeClr val="lt1"/>
+          </a:fillRef>
+          <a:effectRef idx="0">
+            <a:schemeClr val="dk1"/>
+          </a:effectRef>
+          <a:fontRef idx="minor">
+            <a:schemeClr val="dk1"/>
+          </a:fontRef>
+        </p:style>
+        <p:txBody>
+          <a:bodyPr wrap="square" rtlCol="0">
+            <a:spAutoFit/>
+          </a:bodyPr>
+          <a:lstStyle/>
+          <a:p>
+            <a:r>
+              <a:rPr lang="en-US" sz="2400" dirty="0"/>
+              <a:t>Put key words on their own line and indent lines with no key words (indents are key!)</a:t>
+            </a:r>
+          </a:p>
+        </p:txBody>
+      </p:sp>
+      <p:cxnSp>
+        <p:nvCxnSpPr>
+          <p:cNvPr id="13" name="Straight Arrow Connector 12">
+            <a:extLst>
+              <a:ext uri="{FF2B5EF4-FFF2-40B4-BE49-F238E27FC236}">
+                <a16:creationId xmlns:a16="http://schemas.microsoft.com/office/drawing/2014/main" id="{C6D28A88-9385-440F-84C6-6352F11FB749}"/>
+              </a:ext>
+            </a:extLst>
+          </p:cNvPr>
+          <p:cNvCxnSpPr>
+            <a:cxnSpLocks/>
+          </p:cNvCxnSpPr>
+          <p:nvPr/>
+        </p:nvCxnSpPr>
+        <p:spPr>
+          <a:xfrm flipV="1">
+            <a:off x="3123302" y="1909208"/>
+            <a:ext cx="725351" cy="493797"/>
+          </a:xfrm>
+          <a:prstGeom prst="straightConnector1">
+            <a:avLst/>
+          </a:prstGeom>
+          <a:ln>
+            <a:tailEnd type="triangle"/>
+          </a:ln>
+        </p:spPr>
+        <p:style>
+          <a:lnRef idx="1">
+            <a:schemeClr val="accent1"/>
+          </a:lnRef>
+          <a:fillRef idx="0">
+            <a:schemeClr val="accent1"/>
+          </a:fillRef>
+          <a:effectRef idx="0">
+            <a:schemeClr val="accent1"/>
+          </a:effectRef>
+          <a:fontRef idx="minor">
+            <a:schemeClr val="tx1"/>
+          </a:fontRef>
+        </p:style>
+      </p:cxnSp>
+      <p:sp>
+        <p:nvSpPr>
+          <p:cNvPr id="16" name="TextBox 15">
+            <a:extLst>
+              <a:ext uri="{FF2B5EF4-FFF2-40B4-BE49-F238E27FC236}">
+                <a16:creationId xmlns:a16="http://schemas.microsoft.com/office/drawing/2014/main" id="{B21DBF32-1E1F-42B4-ABA1-D340F3B90203}"/>
+              </a:ext>
+            </a:extLst>
+          </p:cNvPr>
+          <p:cNvSpPr txBox="1"/>
+          <p:nvPr/>
+        </p:nvSpPr>
+        <p:spPr>
+          <a:xfrm>
+            <a:off x="7243013" y="2562148"/>
+            <a:ext cx="2274406" cy="830997"/>
+          </a:xfrm>
+          <a:prstGeom prst="rect">
+            <a:avLst/>
+          </a:prstGeom>
+        </p:spPr>
+        <p:style>
+          <a:lnRef idx="2">
+            <a:schemeClr val="dk1"/>
+          </a:lnRef>
+          <a:fillRef idx="1">
+            <a:schemeClr val="lt1"/>
+          </a:fillRef>
+          <a:effectRef idx="0">
+            <a:schemeClr val="dk1"/>
+          </a:effectRef>
+          <a:fontRef idx="minor">
+            <a:schemeClr val="dk1"/>
+          </a:fontRef>
+        </p:style>
+        <p:txBody>
+          <a:bodyPr wrap="square" rtlCol="0">
+            <a:spAutoFit/>
+          </a:bodyPr>
+          <a:lstStyle/>
+          <a:p>
+            <a:r>
+              <a:rPr lang="en-US" sz="2400" dirty="0"/>
+              <a:t>Capitalize key words!</a:t>
+            </a:r>
+          </a:p>
+        </p:txBody>
+      </p:sp>
+      <p:cxnSp>
+        <p:nvCxnSpPr>
+          <p:cNvPr id="17" name="Straight Arrow Connector 16">
+            <a:extLst>
+              <a:ext uri="{FF2B5EF4-FFF2-40B4-BE49-F238E27FC236}">
+                <a16:creationId xmlns:a16="http://schemas.microsoft.com/office/drawing/2014/main" id="{68077768-A7A5-4C04-A238-2047A16F2417}"/>
+              </a:ext>
+            </a:extLst>
+          </p:cNvPr>
+          <p:cNvCxnSpPr>
+            <a:cxnSpLocks/>
+          </p:cNvCxnSpPr>
+          <p:nvPr/>
+        </p:nvCxnSpPr>
+        <p:spPr>
+          <a:xfrm flipH="1" flipV="1">
+            <a:off x="4512644" y="2562148"/>
+            <a:ext cx="2650385" cy="335108"/>
+          </a:xfrm>
+          <a:prstGeom prst="straightConnector1">
+            <a:avLst/>
+          </a:prstGeom>
+          <a:ln>
+            <a:tailEnd type="triangle"/>
+          </a:ln>
+        </p:spPr>
+        <p:style>
+          <a:lnRef idx="1">
+            <a:schemeClr val="accent1"/>
+          </a:lnRef>
+          <a:fillRef idx="0">
+            <a:schemeClr val="accent1"/>
+          </a:fillRef>
+          <a:effectRef idx="0">
+            <a:schemeClr val="accent1"/>
+          </a:effectRef>
+          <a:fontRef idx="minor">
+            <a:schemeClr val="tx1"/>
+          </a:fontRef>
+        </p:style>
+      </p:cxnSp>
+      <p:cxnSp>
+        <p:nvCxnSpPr>
+          <p:cNvPr id="19" name="Straight Arrow Connector 18">
+            <a:extLst>
+              <a:ext uri="{FF2B5EF4-FFF2-40B4-BE49-F238E27FC236}">
+                <a16:creationId xmlns:a16="http://schemas.microsoft.com/office/drawing/2014/main" id="{02A6115E-9B20-49CD-8D8D-E160DE7D14C2}"/>
+              </a:ext>
+            </a:extLst>
+          </p:cNvPr>
+          <p:cNvCxnSpPr>
+            <a:cxnSpLocks/>
+          </p:cNvCxnSpPr>
+          <p:nvPr/>
+        </p:nvCxnSpPr>
+        <p:spPr>
+          <a:xfrm flipH="1">
+            <a:off x="4678532" y="2977646"/>
+            <a:ext cx="2484497" cy="415499"/>
+          </a:xfrm>
+          <a:prstGeom prst="straightConnector1">
+            <a:avLst/>
+          </a:prstGeom>
+          <a:ln>
+            <a:tailEnd type="triangle"/>
+          </a:ln>
+        </p:spPr>
+        <p:style>
+          <a:lnRef idx="1">
+            <a:schemeClr val="accent1"/>
+          </a:lnRef>
+          <a:fillRef idx="0">
+            <a:schemeClr val="accent1"/>
+          </a:fillRef>
+          <a:effectRef idx="0">
+            <a:schemeClr val="accent1"/>
+          </a:effectRef>
+          <a:fontRef idx="minor">
+            <a:schemeClr val="tx1"/>
+          </a:fontRef>
+        </p:style>
+      </p:cxnSp>
+      <p:sp>
+        <p:nvSpPr>
+          <p:cNvPr id="22" name="TextBox 21">
+            <a:extLst>
+              <a:ext uri="{FF2B5EF4-FFF2-40B4-BE49-F238E27FC236}">
+                <a16:creationId xmlns:a16="http://schemas.microsoft.com/office/drawing/2014/main" id="{CB1EB9E2-7349-45A7-9DEC-ED8B95291F21}"/>
+              </a:ext>
+            </a:extLst>
+          </p:cNvPr>
+          <p:cNvSpPr txBox="1"/>
+          <p:nvPr/>
+        </p:nvSpPr>
+        <p:spPr>
+          <a:xfrm>
+            <a:off x="6954902" y="4796310"/>
+            <a:ext cx="2274406" cy="830997"/>
+          </a:xfrm>
+          <a:prstGeom prst="rect">
+            <a:avLst/>
+          </a:prstGeom>
+        </p:spPr>
+        <p:style>
+          <a:lnRef idx="2">
+            <a:schemeClr val="dk1"/>
+          </a:lnRef>
+          <a:fillRef idx="1">
+            <a:schemeClr val="lt1"/>
+          </a:fillRef>
+          <a:effectRef idx="0">
+            <a:schemeClr val="dk1"/>
+          </a:effectRef>
+          <a:fontRef idx="minor">
+            <a:schemeClr val="dk1"/>
+          </a:fontRef>
+        </p:style>
+        <p:txBody>
+          <a:bodyPr wrap="square" rtlCol="0">
+            <a:spAutoFit/>
+          </a:bodyPr>
+          <a:lstStyle/>
+          <a:p>
+            <a:r>
+              <a:rPr lang="en-US" sz="2400" dirty="0"/>
+              <a:t>End query with a semi colon</a:t>
+            </a:r>
+          </a:p>
+        </p:txBody>
+      </p:sp>
+      <p:cxnSp>
+        <p:nvCxnSpPr>
+          <p:cNvPr id="23" name="Straight Arrow Connector 22">
+            <a:extLst>
+              <a:ext uri="{FF2B5EF4-FFF2-40B4-BE49-F238E27FC236}">
+                <a16:creationId xmlns:a16="http://schemas.microsoft.com/office/drawing/2014/main" id="{89C90A36-4FEC-4535-A103-30E2289C999C}"/>
+              </a:ext>
+            </a:extLst>
+          </p:cNvPr>
+          <p:cNvCxnSpPr>
+            <a:cxnSpLocks/>
+          </p:cNvCxnSpPr>
+          <p:nvPr/>
+        </p:nvCxnSpPr>
+        <p:spPr>
+          <a:xfrm flipH="1">
+            <a:off x="5580139" y="5627307"/>
+            <a:ext cx="1331965" cy="940416"/>
+          </a:xfrm>
+          <a:prstGeom prst="straightConnector1">
+            <a:avLst/>
+          </a:prstGeom>
+          <a:ln>
+            <a:tailEnd type="triangle"/>
+          </a:ln>
+        </p:spPr>
+        <p:style>
+          <a:lnRef idx="1">
+            <a:schemeClr val="accent1"/>
+          </a:lnRef>
+          <a:fillRef idx="0">
+            <a:schemeClr val="accent1"/>
+          </a:fillRef>
+          <a:effectRef idx="0">
+            <a:schemeClr val="accent1"/>
+          </a:effectRef>
+          <a:fontRef idx="minor">
+            <a:schemeClr val="tx1"/>
+          </a:fontRef>
+        </p:style>
+      </p:cxnSp>
+      <p:cxnSp>
+        <p:nvCxnSpPr>
+          <p:cNvPr id="28" name="Straight Arrow Connector 27">
+            <a:extLst>
+              <a:ext uri="{FF2B5EF4-FFF2-40B4-BE49-F238E27FC236}">
+                <a16:creationId xmlns:a16="http://schemas.microsoft.com/office/drawing/2014/main" id="{84F0DA7B-F0A2-4A8D-AC00-727A3ADD6F7C}"/>
+              </a:ext>
+            </a:extLst>
+          </p:cNvPr>
+          <p:cNvCxnSpPr>
+            <a:cxnSpLocks/>
+          </p:cNvCxnSpPr>
+          <p:nvPr/>
+        </p:nvCxnSpPr>
+        <p:spPr>
+          <a:xfrm>
+            <a:off x="3142326" y="2540956"/>
+            <a:ext cx="706327" cy="197157"/>
+          </a:xfrm>
+          <a:prstGeom prst="straightConnector1">
+            <a:avLst/>
+          </a:prstGeom>
+          <a:ln>
+            <a:tailEnd type="triangle"/>
+          </a:ln>
+        </p:spPr>
+        <p:style>
+          <a:lnRef idx="1">
+            <a:schemeClr val="accent1"/>
+          </a:lnRef>
+          <a:fillRef idx="0">
+            <a:schemeClr val="accent1"/>
+          </a:fillRef>
+          <a:effectRef idx="0">
+            <a:schemeClr val="accent1"/>
+          </a:effectRef>
+          <a:fontRef idx="minor">
+            <a:schemeClr val="tx1"/>
+          </a:fontRef>
+        </p:style>
+      </p:cxnSp>
+      <p:sp>
+        <p:nvSpPr>
+          <p:cNvPr id="30" name="TextBox 29">
+            <a:extLst>
+              <a:ext uri="{FF2B5EF4-FFF2-40B4-BE49-F238E27FC236}">
+                <a16:creationId xmlns:a16="http://schemas.microsoft.com/office/drawing/2014/main" id="{4FC48814-1864-48BC-AAD3-A8241B05A2B6}"/>
+              </a:ext>
+            </a:extLst>
+          </p:cNvPr>
+          <p:cNvSpPr txBox="1"/>
+          <p:nvPr/>
+        </p:nvSpPr>
+        <p:spPr>
+          <a:xfrm>
+            <a:off x="391729" y="4224162"/>
+            <a:ext cx="2431370" cy="1200329"/>
+          </a:xfrm>
+          <a:prstGeom prst="rect">
+            <a:avLst/>
+          </a:prstGeom>
+        </p:spPr>
+        <p:style>
+          <a:lnRef idx="2">
+            <a:schemeClr val="dk1"/>
+          </a:lnRef>
+          <a:fillRef idx="1">
+            <a:schemeClr val="lt1"/>
+          </a:fillRef>
+          <a:effectRef idx="0">
+            <a:schemeClr val="dk1"/>
+          </a:effectRef>
+          <a:fontRef idx="minor">
+            <a:schemeClr val="dk1"/>
+          </a:fontRef>
+        </p:style>
+        <p:txBody>
+          <a:bodyPr wrap="square" rtlCol="0">
+            <a:spAutoFit/>
+          </a:bodyPr>
+          <a:lstStyle/>
+          <a:p>
+            <a:r>
+              <a:rPr lang="en-US" sz="2400" dirty="0"/>
+              <a:t>Use double dash (--) to comment your code</a:t>
+            </a:r>
+          </a:p>
+        </p:txBody>
+      </p:sp>
+      <p:cxnSp>
+        <p:nvCxnSpPr>
+          <p:cNvPr id="31" name="Straight Arrow Connector 30">
+            <a:extLst>
+              <a:ext uri="{FF2B5EF4-FFF2-40B4-BE49-F238E27FC236}">
+                <a16:creationId xmlns:a16="http://schemas.microsoft.com/office/drawing/2014/main" id="{CA18B1FC-D8C7-4874-9068-FCF38D817C30}"/>
+              </a:ext>
+            </a:extLst>
+          </p:cNvPr>
+          <p:cNvCxnSpPr>
+            <a:cxnSpLocks/>
+          </p:cNvCxnSpPr>
+          <p:nvPr/>
+        </p:nvCxnSpPr>
+        <p:spPr>
+          <a:xfrm flipV="1">
+            <a:off x="2902494" y="4154750"/>
+            <a:ext cx="1172356" cy="524811"/>
+          </a:xfrm>
+          <a:prstGeom prst="straightConnector1">
+            <a:avLst/>
+          </a:prstGeom>
+          <a:ln>
+            <a:tailEnd type="triangle"/>
+          </a:ln>
+        </p:spPr>
+        <p:style>
+          <a:lnRef idx="1">
+            <a:schemeClr val="accent1"/>
+          </a:lnRef>
+          <a:fillRef idx="0">
+            <a:schemeClr val="accent1"/>
+          </a:fillRef>
+          <a:effectRef idx="0">
+            <a:schemeClr val="accent1"/>
+          </a:effectRef>
+          <a:fontRef idx="minor">
+            <a:schemeClr val="tx1"/>
+          </a:fontRef>
+        </p:style>
+      </p:cxnSp>
+      <p:sp>
+        <p:nvSpPr>
+          <p:cNvPr id="14" name="TextBox 13">
+            <a:extLst>
+              <a:ext uri="{FF2B5EF4-FFF2-40B4-BE49-F238E27FC236}">
+                <a16:creationId xmlns:a16="http://schemas.microsoft.com/office/drawing/2014/main" id="{07E2C66B-CB8A-436B-BFC0-0F55BD3557D3}"/>
+              </a:ext>
+            </a:extLst>
+          </p:cNvPr>
+          <p:cNvSpPr txBox="1"/>
+          <p:nvPr/>
+        </p:nvSpPr>
+        <p:spPr>
+          <a:xfrm>
+            <a:off x="7243013" y="920207"/>
+            <a:ext cx="2274406" cy="1200329"/>
+          </a:xfrm>
+          <a:prstGeom prst="rect">
+            <a:avLst/>
+          </a:prstGeom>
+        </p:spPr>
+        <p:style>
+          <a:lnRef idx="2">
+            <a:schemeClr val="dk1"/>
+          </a:lnRef>
+          <a:fillRef idx="1">
+            <a:schemeClr val="lt1"/>
+          </a:fillRef>
+          <a:effectRef idx="0">
+            <a:schemeClr val="dk1"/>
+          </a:effectRef>
+          <a:fontRef idx="minor">
+            <a:schemeClr val="dk1"/>
+          </a:fontRef>
+        </p:style>
+        <p:txBody>
+          <a:bodyPr wrap="square" rtlCol="0">
+            <a:spAutoFit/>
+          </a:bodyPr>
+          <a:lstStyle/>
+          <a:p>
+            <a:r>
+              <a:rPr lang="en-US" sz="2400" dirty="0"/>
+              <a:t>Each column in select clause on its own line</a:t>
+            </a:r>
+          </a:p>
+        </p:txBody>
+      </p:sp>
+      <p:cxnSp>
+        <p:nvCxnSpPr>
+          <p:cNvPr id="15" name="Straight Arrow Connector 14">
+            <a:extLst>
+              <a:ext uri="{FF2B5EF4-FFF2-40B4-BE49-F238E27FC236}">
+                <a16:creationId xmlns:a16="http://schemas.microsoft.com/office/drawing/2014/main" id="{1148A5E9-17DF-469E-8B44-65C4BA62D201}"/>
+              </a:ext>
+            </a:extLst>
+          </p:cNvPr>
+          <p:cNvCxnSpPr>
+            <a:cxnSpLocks/>
+          </p:cNvCxnSpPr>
+          <p:nvPr/>
+        </p:nvCxnSpPr>
+        <p:spPr>
+          <a:xfrm flipH="1">
+            <a:off x="5580139" y="1460192"/>
+            <a:ext cx="1509206" cy="236303"/>
+          </a:xfrm>
+          <a:prstGeom prst="straightConnector1">
+            <a:avLst/>
+          </a:prstGeom>
+          <a:ln>
+            <a:tailEnd type="triangle"/>
+          </a:ln>
+        </p:spPr>
+        <p:style>
+          <a:lnRef idx="1">
+            <a:schemeClr val="accent1"/>
+          </a:lnRef>
+          <a:fillRef idx="0">
+            <a:schemeClr val="accent1"/>
+          </a:fillRef>
+          <a:effectRef idx="0">
+            <a:schemeClr val="accent1"/>
+          </a:effectRef>
+          <a:fontRef idx="minor">
+            <a:schemeClr val="tx1"/>
+          </a:fontRef>
+        </p:style>
+      </p:cxnSp>
+      <p:cxnSp>
+        <p:nvCxnSpPr>
+          <p:cNvPr id="18" name="Straight Arrow Connector 17">
+            <a:extLst>
+              <a:ext uri="{FF2B5EF4-FFF2-40B4-BE49-F238E27FC236}">
+                <a16:creationId xmlns:a16="http://schemas.microsoft.com/office/drawing/2014/main" id="{8F28A0F5-8704-4813-912A-BC42AB3903C2}"/>
+              </a:ext>
+            </a:extLst>
+          </p:cNvPr>
+          <p:cNvCxnSpPr>
+            <a:cxnSpLocks/>
+          </p:cNvCxnSpPr>
+          <p:nvPr/>
+        </p:nvCxnSpPr>
+        <p:spPr>
+          <a:xfrm flipH="1">
+            <a:off x="6170323" y="1520371"/>
+            <a:ext cx="919022" cy="535485"/>
+          </a:xfrm>
+          <a:prstGeom prst="straightConnector1">
+            <a:avLst/>
+          </a:prstGeom>
+          <a:ln>
+            <a:tailEnd type="triangle"/>
+          </a:ln>
+        </p:spPr>
+        <p:style>
+          <a:lnRef idx="1">
+            <a:schemeClr val="accent1"/>
+          </a:lnRef>
+          <a:fillRef idx="0">
+            <a:schemeClr val="accent1"/>
+          </a:fillRef>
+          <a:effectRef idx="0">
+            <a:schemeClr val="accent1"/>
+          </a:effectRef>
+          <a:fontRef idx="minor">
+            <a:schemeClr val="tx1"/>
+          </a:fontRef>
+        </p:style>
+      </p:cxnSp>
+    </p:spTree>
+    <p:extLst>
+      <p:ext uri="{BB962C8B-B14F-4D97-AF65-F5344CB8AC3E}">
+        <p14:creationId xmlns:p14="http://schemas.microsoft.com/office/powerpoint/2010/main" val="2290512525"/>
+      </p:ext>
+    </p:extLst>
+  </p:cSld>
+  <p:clrMapOvr>
+    <a:masterClrMapping/>
+  </p:clrMapOvr>
+</p:sld>
+</file>
+
+<file path=ppt/slides/slide58.xml><?xml version="1.0" encoding="utf-8"?>
+<p:sld xmlns:a="http://schemas.openxmlformats.org/drawingml/2006/main" xmlns:r="http://schemas.openxmlformats.org/officeDocument/2006/relationships" xmlns:p="http://schemas.openxmlformats.org/presentationml/2006/main">
+  <p:cSld>
+    <p:spTree>
+      <p:nvGrpSpPr>
+        <p:cNvPr id="1" name=""/>
+        <p:cNvGrpSpPr/>
+        <p:nvPr/>
+      </p:nvGrpSpPr>
+      <p:grpSpPr>
+        <a:xfrm>
+          <a:off x="0" y="0"/>
+          <a:ext cx="0" cy="0"/>
+          <a:chOff x="0" y="0"/>
+          <a:chExt cx="0" cy="0"/>
+        </a:xfrm>
+      </p:grpSpPr>
+      <p:sp>
+        <p:nvSpPr>
+          <p:cNvPr id="2" name="Title 1">
+            <a:extLst>
+              <a:ext uri="{FF2B5EF4-FFF2-40B4-BE49-F238E27FC236}">
+                <a16:creationId xmlns:a16="http://schemas.microsoft.com/office/drawing/2014/main" id="{972486FC-8DDC-4C84-B6A8-725DE7A8E599}"/>
+              </a:ext>
+            </a:extLst>
+          </p:cNvPr>
+          <p:cNvSpPr>
+            <a:spLocks noGrp="1"/>
+          </p:cNvSpPr>
+          <p:nvPr>
+            <p:ph type="title"/>
+          </p:nvPr>
+        </p:nvSpPr>
+        <p:spPr/>
+        <p:txBody>
+          <a:bodyPr/>
+          <a:lstStyle/>
+          <a:p>
+            <a:r>
+              <a:rPr lang="en-US" dirty="0"/>
               <a:t>Resources to Practice</a:t>
             </a:r>
           </a:p>
@@ -23986,7 +26677,7 @@
 </p:sld>
 </file>
 
-<file path=ppt/slides/slide53.xml><?xml version="1.0" encoding="utf-8"?>
+<file path=ppt/slides/slide59.xml><?xml version="1.0" encoding="utf-8"?>
 <p:sld xmlns:a="http://schemas.openxmlformats.org/drawingml/2006/main" xmlns:r="http://schemas.openxmlformats.org/officeDocument/2006/relationships" xmlns:p="http://schemas.openxmlformats.org/presentationml/2006/main">
   <p:cSld>
     <p:spTree>
@@ -24265,7 +26956,7 @@
         </p:spPr>
         <p:txBody>
           <a:bodyPr>
-            <a:normAutofit/>
+            <a:normAutofit fontScale="85000" lnSpcReduction="20000"/>
           </a:bodyPr>
           <a:lstStyle/>
           <a:p>
@@ -24338,6 +27029,30 @@
               <a:rPr lang="en-US" sz="2000" dirty="0"/>
               <a:t>More info and usage tips and tricks can be found in installation instructions</a:t>
             </a:r>
+          </a:p>
+          <a:p>
+            <a:pPr>
+              <a:lnSpc>
+                <a:spcPct val="150000"/>
+              </a:lnSpc>
+            </a:pPr>
+            <a:endParaRPr lang="en-US" sz="2000" dirty="0"/>
+          </a:p>
+          <a:p>
+            <a:pPr>
+              <a:lnSpc>
+                <a:spcPct val="150000"/>
+              </a:lnSpc>
+            </a:pPr>
+            <a:r>
+              <a:rPr lang="en-US" sz="2000"/>
+              <a:t>Note:  </a:t>
+            </a:r>
+            <a:r>
+              <a:rPr lang="en-US" sz="2000" b="1"/>
+              <a:t>Please close out of MySQL Workbench when not actively querying! </a:t>
+            </a:r>
+            <a:endParaRPr lang="en-US" sz="2000" dirty="0"/>
           </a:p>
         </p:txBody>
       </p:sp>

--- a/Slides/Week 1 Lecture Slides.pptx
+++ b/Slides/Week 1 Lecture Slides.pptx
@@ -255,7 +255,7 @@
           <a:p>
             <a:fld id="{FBB8FC64-E39C-4C42-B46F-635013E3CE61}" type="datetimeFigureOut">
               <a:rPr lang="en-US" smtClean="0"/>
-              <a:t>8/27/2024</a:t>
+              <a:t>8/29/2024</a:t>
             </a:fld>
             <a:endParaRPr lang="en-US"/>
           </a:p>
@@ -4060,7 +4060,7 @@
           <a:p>
             <a:fld id="{BDCF5898-5A22-4DB9-8321-F98B64690223}" type="datetimeFigureOut">
               <a:rPr lang="en-US" smtClean="0"/>
-              <a:t>8/27/2024</a:t>
+              <a:t>8/29/2024</a:t>
             </a:fld>
             <a:endParaRPr lang="en-US"/>
           </a:p>
@@ -4311,7 +4311,7 @@
           <a:p>
             <a:fld id="{BDCF5898-5A22-4DB9-8321-F98B64690223}" type="datetimeFigureOut">
               <a:rPr lang="en-US" smtClean="0"/>
-              <a:t>8/27/2024</a:t>
+              <a:t>8/29/2024</a:t>
             </a:fld>
             <a:endParaRPr lang="en-US"/>
           </a:p>
@@ -4625,7 +4625,7 @@
           <a:p>
             <a:fld id="{BDCF5898-5A22-4DB9-8321-F98B64690223}" type="datetimeFigureOut">
               <a:rPr lang="en-US" smtClean="0"/>
-              <a:t>8/27/2024</a:t>
+              <a:t>8/29/2024</a:t>
             </a:fld>
             <a:endParaRPr lang="en-US"/>
           </a:p>
@@ -4966,7 +4966,7 @@
           <a:p>
             <a:fld id="{BDCF5898-5A22-4DB9-8321-F98B64690223}" type="datetimeFigureOut">
               <a:rPr lang="en-US" smtClean="0"/>
-              <a:t>8/27/2024</a:t>
+              <a:t>8/29/2024</a:t>
             </a:fld>
             <a:endParaRPr lang="en-US"/>
           </a:p>
@@ -5280,7 +5280,7 @@
           <a:p>
             <a:fld id="{BDCF5898-5A22-4DB9-8321-F98B64690223}" type="datetimeFigureOut">
               <a:rPr lang="en-US" smtClean="0"/>
-              <a:t>8/27/2024</a:t>
+              <a:t>8/29/2024</a:t>
             </a:fld>
             <a:endParaRPr lang="en-US"/>
           </a:p>
@@ -5673,7 +5673,7 @@
           <a:p>
             <a:fld id="{BDCF5898-5A22-4DB9-8321-F98B64690223}" type="datetimeFigureOut">
               <a:rPr lang="en-US" smtClean="0"/>
-              <a:t>8/27/2024</a:t>
+              <a:t>8/29/2024</a:t>
             </a:fld>
             <a:endParaRPr lang="en-US"/>
           </a:p>
@@ -5843,7 +5843,7 @@
           <a:p>
             <a:fld id="{BDCF5898-5A22-4DB9-8321-F98B64690223}" type="datetimeFigureOut">
               <a:rPr lang="en-US" smtClean="0"/>
-              <a:t>8/27/2024</a:t>
+              <a:t>8/29/2024</a:t>
             </a:fld>
             <a:endParaRPr lang="en-US"/>
           </a:p>
@@ -6023,7 +6023,7 @@
           <a:p>
             <a:fld id="{BDCF5898-5A22-4DB9-8321-F98B64690223}" type="datetimeFigureOut">
               <a:rPr lang="en-US" smtClean="0"/>
-              <a:t>8/27/2024</a:t>
+              <a:t>8/29/2024</a:t>
             </a:fld>
             <a:endParaRPr lang="en-US"/>
           </a:p>
@@ -6199,7 +6199,7 @@
           <a:p>
             <a:fld id="{BDCF5898-5A22-4DB9-8321-F98B64690223}" type="datetimeFigureOut">
               <a:rPr lang="en-US" smtClean="0"/>
-              <a:t>8/27/2024</a:t>
+              <a:t>8/29/2024</a:t>
             </a:fld>
             <a:endParaRPr lang="en-US"/>
           </a:p>
@@ -6446,7 +6446,7 @@
           <a:p>
             <a:fld id="{BDCF5898-5A22-4DB9-8321-F98B64690223}" type="datetimeFigureOut">
               <a:rPr lang="en-US" smtClean="0"/>
-              <a:t>8/27/2024</a:t>
+              <a:t>8/29/2024</a:t>
             </a:fld>
             <a:endParaRPr lang="en-US"/>
           </a:p>
@@ -6678,7 +6678,7 @@
           <a:p>
             <a:fld id="{BDCF5898-5A22-4DB9-8321-F98B64690223}" type="datetimeFigureOut">
               <a:rPr lang="en-US" smtClean="0"/>
-              <a:t>8/27/2024</a:t>
+              <a:t>8/29/2024</a:t>
             </a:fld>
             <a:endParaRPr lang="en-US"/>
           </a:p>
@@ -7052,7 +7052,7 @@
           <a:p>
             <a:fld id="{BDCF5898-5A22-4DB9-8321-F98B64690223}" type="datetimeFigureOut">
               <a:rPr lang="en-US" smtClean="0"/>
-              <a:t>8/27/2024</a:t>
+              <a:t>8/29/2024</a:t>
             </a:fld>
             <a:endParaRPr lang="en-US"/>
           </a:p>
@@ -7175,7 +7175,7 @@
           <a:p>
             <a:fld id="{BDCF5898-5A22-4DB9-8321-F98B64690223}" type="datetimeFigureOut">
               <a:rPr lang="en-US" smtClean="0"/>
-              <a:t>8/27/2024</a:t>
+              <a:t>8/29/2024</a:t>
             </a:fld>
             <a:endParaRPr lang="en-US"/>
           </a:p>
@@ -7270,7 +7270,7 @@
           <a:p>
             <a:fld id="{BDCF5898-5A22-4DB9-8321-F98B64690223}" type="datetimeFigureOut">
               <a:rPr lang="en-US" smtClean="0"/>
-              <a:t>8/27/2024</a:t>
+              <a:t>8/29/2024</a:t>
             </a:fld>
             <a:endParaRPr lang="en-US"/>
           </a:p>
@@ -7525,7 +7525,7 @@
           <a:p>
             <a:fld id="{BDCF5898-5A22-4DB9-8321-F98B64690223}" type="datetimeFigureOut">
               <a:rPr lang="en-US" smtClean="0"/>
-              <a:t>8/27/2024</a:t>
+              <a:t>8/29/2024</a:t>
             </a:fld>
             <a:endParaRPr lang="en-US"/>
           </a:p>
@@ -7788,7 +7788,7 @@
           <a:p>
             <a:fld id="{BDCF5898-5A22-4DB9-8321-F98B64690223}" type="datetimeFigureOut">
               <a:rPr lang="en-US" smtClean="0"/>
-              <a:t>8/27/2024</a:t>
+              <a:t>8/29/2024</a:t>
             </a:fld>
             <a:endParaRPr lang="en-US"/>
           </a:p>
@@ -8531,7 +8531,7 @@
           <a:p>
             <a:fld id="{BDCF5898-5A22-4DB9-8321-F98B64690223}" type="datetimeFigureOut">
               <a:rPr lang="en-US" smtClean="0"/>
-              <a:t>8/27/2024</a:t>
+              <a:t>8/29/2024</a:t>
             </a:fld>
             <a:endParaRPr lang="en-US"/>
           </a:p>
@@ -21738,7 +21738,7 @@
             </a:r>
             <a:r>
               <a:rPr lang="en-US" sz="2200" i="1" dirty="0"/>
-              <a:t>group by clause </a:t>
+              <a:t>having clause </a:t>
             </a:r>
             <a:r>
               <a:rPr lang="en-US" sz="2200" dirty="0"/>
